--- a/20180217.pptx
+++ b/20180217.pptx
@@ -8,10 +8,11 @@
     <p:sldId id="256" r:id="rId2"/>
     <p:sldId id="257" r:id="rId3"/>
     <p:sldId id="259" r:id="rId4"/>
-    <p:sldId id="260" r:id="rId5"/>
-    <p:sldId id="258" r:id="rId6"/>
-    <p:sldId id="261" r:id="rId7"/>
-    <p:sldId id="262" r:id="rId8"/>
+    <p:sldId id="263" r:id="rId5"/>
+    <p:sldId id="260" r:id="rId6"/>
+    <p:sldId id="258" r:id="rId7"/>
+    <p:sldId id="261" r:id="rId8"/>
+    <p:sldId id="262" r:id="rId9"/>
   </p:sldIdLst>
   <p:sldSz cx="12192000" cy="6858000"/>
   <p:notesSz cx="6858000" cy="9144000"/>
@@ -110,6 +111,11 @@
       </a:defRPr>
     </a:lvl9pPr>
   </p:defaultTextStyle>
+  <p:extLst>
+    <p:ext uri="{EFAFB233-063F-42B5-8137-9DF3F51BA10A}">
+      <p15:sldGuideLst xmlns:p15="http://schemas.microsoft.com/office/powerpoint/2012/main"/>
+    </p:ext>
+  </p:extLst>
 </p:presentation>
 </file>
 
@@ -860,7 +866,1190 @@
 </dgm:colorsDef>
 </file>
 
+<file path=ppt/diagrams/colors2.xml><?xml version="1.0" encoding="utf-8"?>
+<dgm:colorsDef xmlns:dgm="http://schemas.openxmlformats.org/drawingml/2006/diagram" xmlns:a="http://schemas.openxmlformats.org/drawingml/2006/main" uniqueId="urn:microsoft.com/office/officeart/2005/8/colors/accent1_2">
+  <dgm:title val=""/>
+  <dgm:desc val=""/>
+  <dgm:catLst>
+    <dgm:cat type="accent1" pri="11200"/>
+  </dgm:catLst>
+  <dgm:styleLbl name="node0">
+    <dgm:fillClrLst meth="repeat">
+      <a:schemeClr val="accent1"/>
+    </dgm:fillClrLst>
+    <dgm:linClrLst meth="repeat">
+      <a:schemeClr val="lt1"/>
+    </dgm:linClrLst>
+    <dgm:effectClrLst/>
+    <dgm:txLinClrLst/>
+    <dgm:txFillClrLst/>
+    <dgm:txEffectClrLst/>
+  </dgm:styleLbl>
+  <dgm:styleLbl name="alignNode1">
+    <dgm:fillClrLst meth="repeat">
+      <a:schemeClr val="accent1"/>
+    </dgm:fillClrLst>
+    <dgm:linClrLst meth="repeat">
+      <a:schemeClr val="accent1"/>
+    </dgm:linClrLst>
+    <dgm:effectClrLst/>
+    <dgm:txLinClrLst/>
+    <dgm:txFillClrLst/>
+    <dgm:txEffectClrLst/>
+  </dgm:styleLbl>
+  <dgm:styleLbl name="node1">
+    <dgm:fillClrLst meth="repeat">
+      <a:schemeClr val="accent1"/>
+    </dgm:fillClrLst>
+    <dgm:linClrLst meth="repeat">
+      <a:schemeClr val="lt1"/>
+    </dgm:linClrLst>
+    <dgm:effectClrLst/>
+    <dgm:txLinClrLst/>
+    <dgm:txFillClrLst/>
+    <dgm:txEffectClrLst/>
+  </dgm:styleLbl>
+  <dgm:styleLbl name="lnNode1">
+    <dgm:fillClrLst meth="repeat">
+      <a:schemeClr val="accent1"/>
+    </dgm:fillClrLst>
+    <dgm:linClrLst meth="repeat">
+      <a:schemeClr val="lt1"/>
+    </dgm:linClrLst>
+    <dgm:effectClrLst/>
+    <dgm:txLinClrLst/>
+    <dgm:txFillClrLst/>
+    <dgm:txEffectClrLst/>
+  </dgm:styleLbl>
+  <dgm:styleLbl name="vennNode1">
+    <dgm:fillClrLst meth="repeat">
+      <a:schemeClr val="accent1">
+        <a:alpha val="50000"/>
+      </a:schemeClr>
+    </dgm:fillClrLst>
+    <dgm:linClrLst meth="repeat">
+      <a:schemeClr val="lt1"/>
+    </dgm:linClrLst>
+    <dgm:effectClrLst/>
+    <dgm:txLinClrLst/>
+    <dgm:txFillClrLst/>
+    <dgm:txEffectClrLst/>
+  </dgm:styleLbl>
+  <dgm:styleLbl name="node2">
+    <dgm:fillClrLst meth="repeat">
+      <a:schemeClr val="accent1"/>
+    </dgm:fillClrLst>
+    <dgm:linClrLst meth="repeat">
+      <a:schemeClr val="lt1"/>
+    </dgm:linClrLst>
+    <dgm:effectClrLst/>
+    <dgm:txLinClrLst/>
+    <dgm:txFillClrLst/>
+    <dgm:txEffectClrLst/>
+  </dgm:styleLbl>
+  <dgm:styleLbl name="node3">
+    <dgm:fillClrLst meth="repeat">
+      <a:schemeClr val="accent1"/>
+    </dgm:fillClrLst>
+    <dgm:linClrLst meth="repeat">
+      <a:schemeClr val="lt1"/>
+    </dgm:linClrLst>
+    <dgm:effectClrLst/>
+    <dgm:txLinClrLst/>
+    <dgm:txFillClrLst/>
+    <dgm:txEffectClrLst/>
+  </dgm:styleLbl>
+  <dgm:styleLbl name="node4">
+    <dgm:fillClrLst meth="repeat">
+      <a:schemeClr val="accent1"/>
+    </dgm:fillClrLst>
+    <dgm:linClrLst meth="repeat">
+      <a:schemeClr val="lt1"/>
+    </dgm:linClrLst>
+    <dgm:effectClrLst/>
+    <dgm:txLinClrLst/>
+    <dgm:txFillClrLst/>
+    <dgm:txEffectClrLst/>
+  </dgm:styleLbl>
+  <dgm:styleLbl name="fgImgPlace1">
+    <dgm:fillClrLst meth="repeat">
+      <a:schemeClr val="accent1">
+        <a:tint val="50000"/>
+      </a:schemeClr>
+    </dgm:fillClrLst>
+    <dgm:linClrLst meth="repeat">
+      <a:schemeClr val="lt1"/>
+    </dgm:linClrLst>
+    <dgm:effectClrLst/>
+    <dgm:txLinClrLst/>
+    <dgm:txFillClrLst meth="repeat">
+      <a:schemeClr val="lt1"/>
+    </dgm:txFillClrLst>
+    <dgm:txEffectClrLst/>
+  </dgm:styleLbl>
+  <dgm:styleLbl name="alignImgPlace1">
+    <dgm:fillClrLst meth="repeat">
+      <a:schemeClr val="accent1">
+        <a:tint val="50000"/>
+      </a:schemeClr>
+    </dgm:fillClrLst>
+    <dgm:linClrLst meth="repeat">
+      <a:schemeClr val="lt1"/>
+    </dgm:linClrLst>
+    <dgm:effectClrLst/>
+    <dgm:txLinClrLst/>
+    <dgm:txFillClrLst meth="repeat">
+      <a:schemeClr val="lt1"/>
+    </dgm:txFillClrLst>
+    <dgm:txEffectClrLst/>
+  </dgm:styleLbl>
+  <dgm:styleLbl name="bgImgPlace1">
+    <dgm:fillClrLst meth="repeat">
+      <a:schemeClr val="accent1">
+        <a:tint val="50000"/>
+      </a:schemeClr>
+    </dgm:fillClrLst>
+    <dgm:linClrLst meth="repeat">
+      <a:schemeClr val="lt1"/>
+    </dgm:linClrLst>
+    <dgm:effectClrLst/>
+    <dgm:txLinClrLst/>
+    <dgm:txFillClrLst meth="repeat">
+      <a:schemeClr val="lt1"/>
+    </dgm:txFillClrLst>
+    <dgm:txEffectClrLst/>
+  </dgm:styleLbl>
+  <dgm:styleLbl name="sibTrans2D1">
+    <dgm:fillClrLst meth="repeat">
+      <a:schemeClr val="accent1">
+        <a:tint val="60000"/>
+      </a:schemeClr>
+    </dgm:fillClrLst>
+    <dgm:linClrLst meth="repeat">
+      <a:schemeClr val="accent1">
+        <a:tint val="60000"/>
+      </a:schemeClr>
+    </dgm:linClrLst>
+    <dgm:effectClrLst/>
+    <dgm:txLinClrLst/>
+    <dgm:txFillClrLst/>
+    <dgm:txEffectClrLst/>
+  </dgm:styleLbl>
+  <dgm:styleLbl name="fgSibTrans2D1">
+    <dgm:fillClrLst meth="repeat">
+      <a:schemeClr val="accent1">
+        <a:tint val="60000"/>
+      </a:schemeClr>
+    </dgm:fillClrLst>
+    <dgm:linClrLst meth="repeat">
+      <a:schemeClr val="accent1">
+        <a:tint val="60000"/>
+      </a:schemeClr>
+    </dgm:linClrLst>
+    <dgm:effectClrLst/>
+    <dgm:txLinClrLst/>
+    <dgm:txFillClrLst/>
+    <dgm:txEffectClrLst/>
+  </dgm:styleLbl>
+  <dgm:styleLbl name="bgSibTrans2D1">
+    <dgm:fillClrLst meth="repeat">
+      <a:schemeClr val="accent1">
+        <a:tint val="60000"/>
+      </a:schemeClr>
+    </dgm:fillClrLst>
+    <dgm:linClrLst meth="repeat">
+      <a:schemeClr val="accent1">
+        <a:tint val="60000"/>
+      </a:schemeClr>
+    </dgm:linClrLst>
+    <dgm:effectClrLst/>
+    <dgm:txLinClrLst/>
+    <dgm:txFillClrLst/>
+    <dgm:txEffectClrLst/>
+  </dgm:styleLbl>
+  <dgm:styleLbl name="sibTrans1D1">
+    <dgm:fillClrLst meth="repeat">
+      <a:schemeClr val="accent1"/>
+    </dgm:fillClrLst>
+    <dgm:linClrLst meth="repeat">
+      <a:schemeClr val="accent1"/>
+    </dgm:linClrLst>
+    <dgm:effectClrLst/>
+    <dgm:txLinClrLst/>
+    <dgm:txFillClrLst meth="repeat">
+      <a:schemeClr val="tx1"/>
+    </dgm:txFillClrLst>
+    <dgm:txEffectClrLst/>
+  </dgm:styleLbl>
+  <dgm:styleLbl name="callout">
+    <dgm:fillClrLst meth="repeat">
+      <a:schemeClr val="accent1"/>
+    </dgm:fillClrLst>
+    <dgm:linClrLst meth="repeat">
+      <a:schemeClr val="accent1">
+        <a:tint val="50000"/>
+      </a:schemeClr>
+    </dgm:linClrLst>
+    <dgm:effectClrLst/>
+    <dgm:txLinClrLst/>
+    <dgm:txFillClrLst meth="repeat">
+      <a:schemeClr val="tx1"/>
+    </dgm:txFillClrLst>
+    <dgm:txEffectClrLst/>
+  </dgm:styleLbl>
+  <dgm:styleLbl name="asst0">
+    <dgm:fillClrLst meth="repeat">
+      <a:schemeClr val="accent1"/>
+    </dgm:fillClrLst>
+    <dgm:linClrLst meth="repeat">
+      <a:schemeClr val="lt1"/>
+    </dgm:linClrLst>
+    <dgm:effectClrLst/>
+    <dgm:txLinClrLst/>
+    <dgm:txFillClrLst/>
+    <dgm:txEffectClrLst/>
+  </dgm:styleLbl>
+  <dgm:styleLbl name="asst1">
+    <dgm:fillClrLst meth="repeat">
+      <a:schemeClr val="accent1"/>
+    </dgm:fillClrLst>
+    <dgm:linClrLst meth="repeat">
+      <a:schemeClr val="lt1"/>
+    </dgm:linClrLst>
+    <dgm:effectClrLst/>
+    <dgm:txLinClrLst/>
+    <dgm:txFillClrLst/>
+    <dgm:txEffectClrLst/>
+  </dgm:styleLbl>
+  <dgm:styleLbl name="asst2">
+    <dgm:fillClrLst meth="repeat">
+      <a:schemeClr val="accent1"/>
+    </dgm:fillClrLst>
+    <dgm:linClrLst meth="repeat">
+      <a:schemeClr val="lt1"/>
+    </dgm:linClrLst>
+    <dgm:effectClrLst/>
+    <dgm:txLinClrLst/>
+    <dgm:txFillClrLst/>
+    <dgm:txEffectClrLst/>
+  </dgm:styleLbl>
+  <dgm:styleLbl name="asst3">
+    <dgm:fillClrLst meth="repeat">
+      <a:schemeClr val="accent1"/>
+    </dgm:fillClrLst>
+    <dgm:linClrLst meth="repeat">
+      <a:schemeClr val="lt1"/>
+    </dgm:linClrLst>
+    <dgm:effectClrLst/>
+    <dgm:txLinClrLst/>
+    <dgm:txFillClrLst/>
+    <dgm:txEffectClrLst/>
+  </dgm:styleLbl>
+  <dgm:styleLbl name="asst4">
+    <dgm:fillClrLst meth="repeat">
+      <a:schemeClr val="accent1"/>
+    </dgm:fillClrLst>
+    <dgm:linClrLst meth="repeat">
+      <a:schemeClr val="lt1"/>
+    </dgm:linClrLst>
+    <dgm:effectClrLst/>
+    <dgm:txLinClrLst/>
+    <dgm:txFillClrLst/>
+    <dgm:txEffectClrLst/>
+  </dgm:styleLbl>
+  <dgm:styleLbl name="parChTrans2D1">
+    <dgm:fillClrLst meth="repeat">
+      <a:schemeClr val="accent1">
+        <a:tint val="60000"/>
+      </a:schemeClr>
+    </dgm:fillClrLst>
+    <dgm:linClrLst meth="repeat">
+      <a:schemeClr val="accent1">
+        <a:tint val="60000"/>
+      </a:schemeClr>
+    </dgm:linClrLst>
+    <dgm:effectClrLst/>
+    <dgm:txLinClrLst/>
+    <dgm:txFillClrLst meth="repeat">
+      <a:schemeClr val="lt1"/>
+    </dgm:txFillClrLst>
+    <dgm:txEffectClrLst/>
+  </dgm:styleLbl>
+  <dgm:styleLbl name="parChTrans2D2">
+    <dgm:fillClrLst meth="repeat">
+      <a:schemeClr val="accent1"/>
+    </dgm:fillClrLst>
+    <dgm:linClrLst meth="repeat">
+      <a:schemeClr val="accent1"/>
+    </dgm:linClrLst>
+    <dgm:effectClrLst/>
+    <dgm:txLinClrLst/>
+    <dgm:txFillClrLst meth="repeat">
+      <a:schemeClr val="lt1"/>
+    </dgm:txFillClrLst>
+    <dgm:txEffectClrLst/>
+  </dgm:styleLbl>
+  <dgm:styleLbl name="parChTrans2D3">
+    <dgm:fillClrLst meth="repeat">
+      <a:schemeClr val="accent1"/>
+    </dgm:fillClrLst>
+    <dgm:linClrLst meth="repeat">
+      <a:schemeClr val="accent1"/>
+    </dgm:linClrLst>
+    <dgm:effectClrLst/>
+    <dgm:txLinClrLst/>
+    <dgm:txFillClrLst meth="repeat">
+      <a:schemeClr val="lt1"/>
+    </dgm:txFillClrLst>
+    <dgm:txEffectClrLst/>
+  </dgm:styleLbl>
+  <dgm:styleLbl name="parChTrans2D4">
+    <dgm:fillClrLst meth="repeat">
+      <a:schemeClr val="accent1"/>
+    </dgm:fillClrLst>
+    <dgm:linClrLst meth="repeat">
+      <a:schemeClr val="accent1"/>
+    </dgm:linClrLst>
+    <dgm:effectClrLst/>
+    <dgm:txLinClrLst/>
+    <dgm:txFillClrLst meth="repeat">
+      <a:schemeClr val="lt1"/>
+    </dgm:txFillClrLst>
+    <dgm:txEffectClrLst/>
+  </dgm:styleLbl>
+  <dgm:styleLbl name="parChTrans1D1">
+    <dgm:fillClrLst meth="repeat">
+      <a:schemeClr val="accent1"/>
+    </dgm:fillClrLst>
+    <dgm:linClrLst meth="repeat">
+      <a:schemeClr val="accent1">
+        <a:shade val="60000"/>
+      </a:schemeClr>
+    </dgm:linClrLst>
+    <dgm:effectClrLst/>
+    <dgm:txLinClrLst/>
+    <dgm:txFillClrLst meth="repeat">
+      <a:schemeClr val="tx1"/>
+    </dgm:txFillClrLst>
+    <dgm:txEffectClrLst/>
+  </dgm:styleLbl>
+  <dgm:styleLbl name="parChTrans1D2">
+    <dgm:fillClrLst meth="repeat">
+      <a:schemeClr val="accent1"/>
+    </dgm:fillClrLst>
+    <dgm:linClrLst meth="repeat">
+      <a:schemeClr val="accent1">
+        <a:shade val="60000"/>
+      </a:schemeClr>
+    </dgm:linClrLst>
+    <dgm:effectClrLst/>
+    <dgm:txLinClrLst/>
+    <dgm:txFillClrLst meth="repeat">
+      <a:schemeClr val="tx1"/>
+    </dgm:txFillClrLst>
+    <dgm:txEffectClrLst/>
+  </dgm:styleLbl>
+  <dgm:styleLbl name="parChTrans1D3">
+    <dgm:fillClrLst meth="repeat">
+      <a:schemeClr val="accent1"/>
+    </dgm:fillClrLst>
+    <dgm:linClrLst meth="repeat">
+      <a:schemeClr val="accent1">
+        <a:shade val="80000"/>
+      </a:schemeClr>
+    </dgm:linClrLst>
+    <dgm:effectClrLst/>
+    <dgm:txLinClrLst/>
+    <dgm:txFillClrLst meth="repeat">
+      <a:schemeClr val="tx1"/>
+    </dgm:txFillClrLst>
+    <dgm:txEffectClrLst/>
+  </dgm:styleLbl>
+  <dgm:styleLbl name="parChTrans1D4">
+    <dgm:fillClrLst meth="repeat">
+      <a:schemeClr val="accent1"/>
+    </dgm:fillClrLst>
+    <dgm:linClrLst meth="repeat">
+      <a:schemeClr val="accent1">
+        <a:shade val="80000"/>
+      </a:schemeClr>
+    </dgm:linClrLst>
+    <dgm:effectClrLst/>
+    <dgm:txLinClrLst/>
+    <dgm:txFillClrLst meth="repeat">
+      <a:schemeClr val="tx1"/>
+    </dgm:txFillClrLst>
+    <dgm:txEffectClrLst/>
+  </dgm:styleLbl>
+  <dgm:styleLbl name="fgAcc1">
+    <dgm:fillClrLst meth="repeat">
+      <a:schemeClr val="lt1">
+        <a:alpha val="90000"/>
+      </a:schemeClr>
+    </dgm:fillClrLst>
+    <dgm:linClrLst meth="repeat">
+      <a:schemeClr val="accent1"/>
+    </dgm:linClrLst>
+    <dgm:effectClrLst/>
+    <dgm:txLinClrLst/>
+    <dgm:txFillClrLst meth="repeat">
+      <a:schemeClr val="dk1"/>
+    </dgm:txFillClrLst>
+    <dgm:txEffectClrLst/>
+  </dgm:styleLbl>
+  <dgm:styleLbl name="conFgAcc1">
+    <dgm:fillClrLst meth="repeat">
+      <a:schemeClr val="lt1">
+        <a:alpha val="90000"/>
+      </a:schemeClr>
+    </dgm:fillClrLst>
+    <dgm:linClrLst meth="repeat">
+      <a:schemeClr val="accent1"/>
+    </dgm:linClrLst>
+    <dgm:effectClrLst/>
+    <dgm:txLinClrLst/>
+    <dgm:txFillClrLst meth="repeat">
+      <a:schemeClr val="dk1"/>
+    </dgm:txFillClrLst>
+    <dgm:txEffectClrLst/>
+  </dgm:styleLbl>
+  <dgm:styleLbl name="alignAcc1">
+    <dgm:fillClrLst meth="repeat">
+      <a:schemeClr val="lt1">
+        <a:alpha val="90000"/>
+      </a:schemeClr>
+    </dgm:fillClrLst>
+    <dgm:linClrLst meth="repeat">
+      <a:schemeClr val="accent1"/>
+    </dgm:linClrLst>
+    <dgm:effectClrLst/>
+    <dgm:txLinClrLst/>
+    <dgm:txFillClrLst meth="repeat">
+      <a:schemeClr val="dk1"/>
+    </dgm:txFillClrLst>
+    <dgm:txEffectClrLst/>
+  </dgm:styleLbl>
+  <dgm:styleLbl name="trAlignAcc1">
+    <dgm:fillClrLst meth="repeat">
+      <a:schemeClr val="lt1">
+        <a:alpha val="40000"/>
+      </a:schemeClr>
+    </dgm:fillClrLst>
+    <dgm:linClrLst meth="repeat">
+      <a:schemeClr val="accent1"/>
+    </dgm:linClrLst>
+    <dgm:effectClrLst/>
+    <dgm:txLinClrLst/>
+    <dgm:txFillClrLst meth="repeat">
+      <a:schemeClr val="dk1"/>
+    </dgm:txFillClrLst>
+    <dgm:txEffectClrLst/>
+  </dgm:styleLbl>
+  <dgm:styleLbl name="bgAcc1">
+    <dgm:fillClrLst meth="repeat">
+      <a:schemeClr val="lt1">
+        <a:alpha val="90000"/>
+      </a:schemeClr>
+    </dgm:fillClrLst>
+    <dgm:linClrLst meth="repeat">
+      <a:schemeClr val="accent1"/>
+    </dgm:linClrLst>
+    <dgm:effectClrLst/>
+    <dgm:txLinClrLst/>
+    <dgm:txFillClrLst meth="repeat">
+      <a:schemeClr val="dk1"/>
+    </dgm:txFillClrLst>
+    <dgm:txEffectClrLst/>
+  </dgm:styleLbl>
+  <dgm:styleLbl name="solidFgAcc1">
+    <dgm:fillClrLst meth="repeat">
+      <a:schemeClr val="lt1"/>
+    </dgm:fillClrLst>
+    <dgm:linClrLst meth="repeat">
+      <a:schemeClr val="accent1"/>
+    </dgm:linClrLst>
+    <dgm:effectClrLst/>
+    <dgm:txLinClrLst/>
+    <dgm:txFillClrLst meth="repeat">
+      <a:schemeClr val="dk1"/>
+    </dgm:txFillClrLst>
+    <dgm:txEffectClrLst/>
+  </dgm:styleLbl>
+  <dgm:styleLbl name="solidAlignAcc1">
+    <dgm:fillClrLst meth="repeat">
+      <a:schemeClr val="lt1"/>
+    </dgm:fillClrLst>
+    <dgm:linClrLst meth="repeat">
+      <a:schemeClr val="accent1"/>
+    </dgm:linClrLst>
+    <dgm:effectClrLst/>
+    <dgm:txLinClrLst/>
+    <dgm:txFillClrLst meth="repeat">
+      <a:schemeClr val="dk1"/>
+    </dgm:txFillClrLst>
+    <dgm:txEffectClrLst/>
+  </dgm:styleLbl>
+  <dgm:styleLbl name="solidBgAcc1">
+    <dgm:fillClrLst meth="repeat">
+      <a:schemeClr val="lt1"/>
+    </dgm:fillClrLst>
+    <dgm:linClrLst meth="repeat">
+      <a:schemeClr val="accent1"/>
+    </dgm:linClrLst>
+    <dgm:effectClrLst/>
+    <dgm:txLinClrLst/>
+    <dgm:txFillClrLst meth="repeat">
+      <a:schemeClr val="dk1"/>
+    </dgm:txFillClrLst>
+    <dgm:txEffectClrLst/>
+  </dgm:styleLbl>
+  <dgm:styleLbl name="fgAccFollowNode1">
+    <dgm:fillClrLst meth="repeat">
+      <a:schemeClr val="accent1">
+        <a:alpha val="90000"/>
+        <a:tint val="40000"/>
+      </a:schemeClr>
+    </dgm:fillClrLst>
+    <dgm:linClrLst meth="repeat">
+      <a:schemeClr val="accent1">
+        <a:alpha val="90000"/>
+        <a:tint val="40000"/>
+      </a:schemeClr>
+    </dgm:linClrLst>
+    <dgm:effectClrLst/>
+    <dgm:txLinClrLst/>
+    <dgm:txFillClrLst meth="repeat">
+      <a:schemeClr val="dk1"/>
+    </dgm:txFillClrLst>
+    <dgm:txEffectClrLst/>
+  </dgm:styleLbl>
+  <dgm:styleLbl name="alignAccFollowNode1">
+    <dgm:fillClrLst meth="repeat">
+      <a:schemeClr val="accent1">
+        <a:alpha val="90000"/>
+        <a:tint val="40000"/>
+      </a:schemeClr>
+    </dgm:fillClrLst>
+    <dgm:linClrLst meth="repeat">
+      <a:schemeClr val="accent1">
+        <a:alpha val="90000"/>
+        <a:tint val="40000"/>
+      </a:schemeClr>
+    </dgm:linClrLst>
+    <dgm:effectClrLst/>
+    <dgm:txLinClrLst/>
+    <dgm:txFillClrLst meth="repeat">
+      <a:schemeClr val="dk1"/>
+    </dgm:txFillClrLst>
+    <dgm:txEffectClrLst/>
+  </dgm:styleLbl>
+  <dgm:styleLbl name="bgAccFollowNode1">
+    <dgm:fillClrLst meth="repeat">
+      <a:schemeClr val="accent1">
+        <a:alpha val="90000"/>
+        <a:tint val="40000"/>
+      </a:schemeClr>
+    </dgm:fillClrLst>
+    <dgm:linClrLst meth="repeat">
+      <a:schemeClr val="accent1">
+        <a:alpha val="90000"/>
+        <a:tint val="40000"/>
+      </a:schemeClr>
+    </dgm:linClrLst>
+    <dgm:effectClrLst/>
+    <dgm:txLinClrLst/>
+    <dgm:txFillClrLst meth="repeat">
+      <a:schemeClr val="dk1"/>
+    </dgm:txFillClrLst>
+    <dgm:txEffectClrLst/>
+  </dgm:styleLbl>
+  <dgm:styleLbl name="fgAcc0">
+    <dgm:fillClrLst meth="repeat">
+      <a:schemeClr val="lt1">
+        <a:alpha val="90000"/>
+      </a:schemeClr>
+    </dgm:fillClrLst>
+    <dgm:linClrLst meth="repeat">
+      <a:schemeClr val="accent1"/>
+    </dgm:linClrLst>
+    <dgm:effectClrLst/>
+    <dgm:txLinClrLst/>
+    <dgm:txFillClrLst meth="repeat">
+      <a:schemeClr val="dk1"/>
+    </dgm:txFillClrLst>
+    <dgm:txEffectClrLst/>
+  </dgm:styleLbl>
+  <dgm:styleLbl name="fgAcc2">
+    <dgm:fillClrLst meth="repeat">
+      <a:schemeClr val="lt1">
+        <a:alpha val="90000"/>
+      </a:schemeClr>
+    </dgm:fillClrLst>
+    <dgm:linClrLst meth="repeat">
+      <a:schemeClr val="accent1"/>
+    </dgm:linClrLst>
+    <dgm:effectClrLst/>
+    <dgm:txLinClrLst/>
+    <dgm:txFillClrLst meth="repeat">
+      <a:schemeClr val="dk1"/>
+    </dgm:txFillClrLst>
+    <dgm:txEffectClrLst/>
+  </dgm:styleLbl>
+  <dgm:styleLbl name="fgAcc3">
+    <dgm:fillClrLst meth="repeat">
+      <a:schemeClr val="lt1">
+        <a:alpha val="90000"/>
+      </a:schemeClr>
+    </dgm:fillClrLst>
+    <dgm:linClrLst meth="repeat">
+      <a:schemeClr val="accent1"/>
+    </dgm:linClrLst>
+    <dgm:effectClrLst/>
+    <dgm:txLinClrLst/>
+    <dgm:txFillClrLst meth="repeat">
+      <a:schemeClr val="dk1"/>
+    </dgm:txFillClrLst>
+    <dgm:txEffectClrLst/>
+  </dgm:styleLbl>
+  <dgm:styleLbl name="fgAcc4">
+    <dgm:fillClrLst meth="repeat">
+      <a:schemeClr val="lt1">
+        <a:alpha val="90000"/>
+      </a:schemeClr>
+    </dgm:fillClrLst>
+    <dgm:linClrLst meth="repeat">
+      <a:schemeClr val="accent1"/>
+    </dgm:linClrLst>
+    <dgm:effectClrLst/>
+    <dgm:txLinClrLst/>
+    <dgm:txFillClrLst meth="repeat">
+      <a:schemeClr val="dk1"/>
+    </dgm:txFillClrLst>
+    <dgm:txEffectClrLst/>
+  </dgm:styleLbl>
+  <dgm:styleLbl name="bgShp">
+    <dgm:fillClrLst meth="repeat">
+      <a:schemeClr val="accent1">
+        <a:tint val="40000"/>
+      </a:schemeClr>
+    </dgm:fillClrLst>
+    <dgm:linClrLst meth="repeat">
+      <a:schemeClr val="accent1"/>
+    </dgm:linClrLst>
+    <dgm:effectClrLst/>
+    <dgm:txLinClrLst/>
+    <dgm:txFillClrLst meth="repeat">
+      <a:schemeClr val="dk1"/>
+    </dgm:txFillClrLst>
+    <dgm:txEffectClrLst/>
+  </dgm:styleLbl>
+  <dgm:styleLbl name="dkBgShp">
+    <dgm:fillClrLst meth="repeat">
+      <a:schemeClr val="accent1">
+        <a:shade val="80000"/>
+      </a:schemeClr>
+    </dgm:fillClrLst>
+    <dgm:linClrLst meth="repeat">
+      <a:schemeClr val="accent1"/>
+    </dgm:linClrLst>
+    <dgm:effectClrLst/>
+    <dgm:txLinClrLst/>
+    <dgm:txFillClrLst meth="repeat">
+      <a:schemeClr val="lt1"/>
+    </dgm:txFillClrLst>
+    <dgm:txEffectClrLst/>
+  </dgm:styleLbl>
+  <dgm:styleLbl name="trBgShp">
+    <dgm:fillClrLst meth="repeat">
+      <a:schemeClr val="accent1">
+        <a:tint val="50000"/>
+        <a:alpha val="40000"/>
+      </a:schemeClr>
+    </dgm:fillClrLst>
+    <dgm:linClrLst meth="repeat">
+      <a:schemeClr val="accent1"/>
+    </dgm:linClrLst>
+    <dgm:effectClrLst/>
+    <dgm:txLinClrLst/>
+    <dgm:txFillClrLst meth="repeat">
+      <a:schemeClr val="lt1"/>
+    </dgm:txFillClrLst>
+    <dgm:txEffectClrLst/>
+  </dgm:styleLbl>
+  <dgm:styleLbl name="fgShp">
+    <dgm:fillClrLst meth="repeat">
+      <a:schemeClr val="accent1">
+        <a:tint val="60000"/>
+      </a:schemeClr>
+    </dgm:fillClrLst>
+    <dgm:linClrLst meth="repeat">
+      <a:schemeClr val="lt1"/>
+    </dgm:linClrLst>
+    <dgm:effectClrLst/>
+    <dgm:txLinClrLst/>
+    <dgm:txFillClrLst meth="repeat">
+      <a:schemeClr val="dk1"/>
+    </dgm:txFillClrLst>
+    <dgm:txEffectClrLst/>
+  </dgm:styleLbl>
+  <dgm:styleLbl name="revTx">
+    <dgm:fillClrLst meth="repeat">
+      <a:schemeClr val="lt1">
+        <a:alpha val="0"/>
+      </a:schemeClr>
+    </dgm:fillClrLst>
+    <dgm:linClrLst meth="repeat">
+      <a:schemeClr val="dk1">
+        <a:alpha val="0"/>
+      </a:schemeClr>
+    </dgm:linClrLst>
+    <dgm:effectClrLst/>
+    <dgm:txLinClrLst/>
+    <dgm:txFillClrLst meth="repeat">
+      <a:schemeClr val="tx1"/>
+    </dgm:txFillClrLst>
+    <dgm:txEffectClrLst/>
+  </dgm:styleLbl>
+</dgm:colorsDef>
+</file>
+
 <file path=ppt/diagrams/data1.xml><?xml version="1.0" encoding="utf-8"?>
+<dgm:dataModel xmlns:dgm="http://schemas.openxmlformats.org/drawingml/2006/diagram" xmlns:a="http://schemas.openxmlformats.org/drawingml/2006/main">
+  <dgm:ptLst>
+    <dgm:pt modelId="{21BF3F5B-61DE-4097-98DB-634A28658836}" type="doc">
+      <dgm:prSet loTypeId="urn:microsoft.com/office/officeart/2005/8/layout/hProcess9" loCatId="process" qsTypeId="urn:microsoft.com/office/officeart/2005/8/quickstyle/simple1" qsCatId="simple" csTypeId="urn:microsoft.com/office/officeart/2005/8/colors/accent1_2" csCatId="accent1" phldr="1"/>
+      <dgm:spPr/>
+    </dgm:pt>
+    <dgm:pt modelId="{BF38FAD5-81AD-4575-A891-CFA34D4EBD50}">
+      <dgm:prSet phldrT="[Texto]"/>
+      <dgm:spPr/>
+      <dgm:t>
+        <a:bodyPr/>
+        <a:lstStyle/>
+        <a:p>
+          <a:r>
+            <a:rPr lang="es-ES" dirty="0"/>
+            <a:t>load data</a:t>
+          </a:r>
+        </a:p>
+      </dgm:t>
+    </dgm:pt>
+    <dgm:pt modelId="{17688701-A6BC-4D38-A619-43548CE20055}" type="parTrans" cxnId="{C8FD173B-0115-41E2-A80A-96A5486A0222}">
+      <dgm:prSet/>
+      <dgm:spPr/>
+      <dgm:t>
+        <a:bodyPr/>
+        <a:lstStyle/>
+        <a:p>
+          <a:endParaRPr lang="es-ES"/>
+        </a:p>
+      </dgm:t>
+    </dgm:pt>
+    <dgm:pt modelId="{78171749-E273-4719-AB46-9077400A4AD4}" type="sibTrans" cxnId="{C8FD173B-0115-41E2-A80A-96A5486A0222}">
+      <dgm:prSet/>
+      <dgm:spPr/>
+      <dgm:t>
+        <a:bodyPr/>
+        <a:lstStyle/>
+        <a:p>
+          <a:endParaRPr lang="es-ES"/>
+        </a:p>
+      </dgm:t>
+    </dgm:pt>
+    <dgm:pt modelId="{FB0D4376-E309-437F-97AC-811A5A429FE6}">
+      <dgm:prSet phldrT="[Texto]"/>
+      <dgm:spPr/>
+      <dgm:t>
+        <a:bodyPr/>
+        <a:lstStyle/>
+        <a:p>
+          <a:r>
+            <a:rPr lang="es-ES" dirty="0" err="1"/>
+            <a:t>check</a:t>
+          </a:r>
+          <a:r>
+            <a:rPr lang="es-ES" dirty="0"/>
+            <a:t> data</a:t>
+          </a:r>
+        </a:p>
+      </dgm:t>
+    </dgm:pt>
+    <dgm:pt modelId="{FE1B5F23-88EA-434F-A9C7-47DC50C28AA7}" type="parTrans" cxnId="{CEA6D509-FB54-4AC4-9D4D-677C4238B464}">
+      <dgm:prSet/>
+      <dgm:spPr/>
+      <dgm:t>
+        <a:bodyPr/>
+        <a:lstStyle/>
+        <a:p>
+          <a:endParaRPr lang="es-ES"/>
+        </a:p>
+      </dgm:t>
+    </dgm:pt>
+    <dgm:pt modelId="{977D9A03-3A3B-4D60-9C1A-70D8D0E59EE1}" type="sibTrans" cxnId="{CEA6D509-FB54-4AC4-9D4D-677C4238B464}">
+      <dgm:prSet/>
+      <dgm:spPr/>
+      <dgm:t>
+        <a:bodyPr/>
+        <a:lstStyle/>
+        <a:p>
+          <a:endParaRPr lang="es-ES"/>
+        </a:p>
+      </dgm:t>
+    </dgm:pt>
+    <dgm:pt modelId="{154639D1-85E2-4A41-871B-358B8CD48B51}">
+      <dgm:prSet phldrT="[Texto]"/>
+      <dgm:spPr/>
+      <dgm:t>
+        <a:bodyPr/>
+        <a:lstStyle/>
+        <a:p>
+          <a:r>
+            <a:rPr lang="es-ES" dirty="0" err="1"/>
+            <a:t>remove</a:t>
+          </a:r>
+          <a:r>
+            <a:rPr lang="es-ES" dirty="0"/>
+            <a:t> </a:t>
+          </a:r>
+          <a:r>
+            <a:rPr lang="es-ES" dirty="0" err="1"/>
+            <a:t>nans</a:t>
+          </a:r>
+          <a:r>
+            <a:rPr lang="es-ES" dirty="0"/>
+            <a:t>, </a:t>
+          </a:r>
+          <a:r>
+            <a:rPr lang="es-ES" dirty="0" err="1"/>
+            <a:t>select</a:t>
+          </a:r>
+          <a:r>
+            <a:rPr lang="es-ES" dirty="0"/>
+            <a:t> </a:t>
+          </a:r>
+          <a:r>
+            <a:rPr lang="es-ES" dirty="0" err="1"/>
+            <a:t>num</a:t>
+          </a:r>
+          <a:r>
+            <a:rPr lang="es-ES" dirty="0"/>
+            <a:t> </a:t>
+          </a:r>
+          <a:r>
+            <a:rPr lang="es-ES" dirty="0" err="1"/>
+            <a:t>feats</a:t>
+          </a:r>
+          <a:endParaRPr lang="es-ES" dirty="0"/>
+        </a:p>
+      </dgm:t>
+    </dgm:pt>
+    <dgm:pt modelId="{922D67F2-08AE-4716-9161-270DF6C5B3ED}" type="parTrans" cxnId="{EE210027-63AD-4224-B857-264A77F355A6}">
+      <dgm:prSet/>
+      <dgm:spPr/>
+      <dgm:t>
+        <a:bodyPr/>
+        <a:lstStyle/>
+        <a:p>
+          <a:endParaRPr lang="es-ES"/>
+        </a:p>
+      </dgm:t>
+    </dgm:pt>
+    <dgm:pt modelId="{7FA0A75D-6AE8-46FA-B9A5-82CEB49FD910}" type="sibTrans" cxnId="{EE210027-63AD-4224-B857-264A77F355A6}">
+      <dgm:prSet/>
+      <dgm:spPr/>
+      <dgm:t>
+        <a:bodyPr/>
+        <a:lstStyle/>
+        <a:p>
+          <a:endParaRPr lang="es-ES"/>
+        </a:p>
+      </dgm:t>
+    </dgm:pt>
+    <dgm:pt modelId="{EB320909-38D2-4DE6-836B-8FE0855C1255}">
+      <dgm:prSet phldrT="[Texto]"/>
+      <dgm:spPr/>
+      <dgm:t>
+        <a:bodyPr/>
+        <a:lstStyle/>
+        <a:p>
+          <a:r>
+            <a:rPr lang="es-ES" dirty="0" err="1"/>
+            <a:t>split</a:t>
+          </a:r>
+          <a:r>
+            <a:rPr lang="es-ES" dirty="0"/>
+            <a:t> </a:t>
+          </a:r>
+          <a:r>
+            <a:rPr lang="es-ES" dirty="0" err="1"/>
+            <a:t>train</a:t>
+          </a:r>
+          <a:r>
+            <a:rPr lang="es-ES" dirty="0"/>
+            <a:t>/test</a:t>
+          </a:r>
+        </a:p>
+      </dgm:t>
+    </dgm:pt>
+    <dgm:pt modelId="{026FAF17-8559-4C19-BE60-1E27CC2208E5}" type="parTrans" cxnId="{0EF8174D-5558-4847-8C51-465B2929D373}">
+      <dgm:prSet/>
+      <dgm:spPr/>
+      <dgm:t>
+        <a:bodyPr/>
+        <a:lstStyle/>
+        <a:p>
+          <a:endParaRPr lang="es-ES"/>
+        </a:p>
+      </dgm:t>
+    </dgm:pt>
+    <dgm:pt modelId="{52AF4419-7F42-4528-A85F-AD2DA3A88688}" type="sibTrans" cxnId="{0EF8174D-5558-4847-8C51-465B2929D373}">
+      <dgm:prSet/>
+      <dgm:spPr/>
+      <dgm:t>
+        <a:bodyPr/>
+        <a:lstStyle/>
+        <a:p>
+          <a:endParaRPr lang="es-ES"/>
+        </a:p>
+      </dgm:t>
+    </dgm:pt>
+    <dgm:pt modelId="{2140543E-955B-4E3C-8882-C48E95DD000C}">
+      <dgm:prSet phldrT="[Texto]"/>
+      <dgm:spPr/>
+      <dgm:t>
+        <a:bodyPr/>
+        <a:lstStyle/>
+        <a:p>
+          <a:r>
+            <a:rPr lang="es-ES" dirty="0" err="1"/>
+            <a:t>train</a:t>
+          </a:r>
+          <a:r>
+            <a:rPr lang="es-ES" dirty="0"/>
+            <a:t> </a:t>
+          </a:r>
+        </a:p>
+      </dgm:t>
+    </dgm:pt>
+    <dgm:pt modelId="{BD9EAE3F-F81E-4F2F-A7E7-850938647D4B}" type="parTrans" cxnId="{A5F2C2A8-6A11-4C00-98AF-86134B4D88FB}">
+      <dgm:prSet/>
+      <dgm:spPr/>
+      <dgm:t>
+        <a:bodyPr/>
+        <a:lstStyle/>
+        <a:p>
+          <a:endParaRPr lang="es-ES"/>
+        </a:p>
+      </dgm:t>
+    </dgm:pt>
+    <dgm:pt modelId="{5B3EBD08-11F1-4086-994D-FC192AD6BDDB}" type="sibTrans" cxnId="{A5F2C2A8-6A11-4C00-98AF-86134B4D88FB}">
+      <dgm:prSet/>
+      <dgm:spPr/>
+      <dgm:t>
+        <a:bodyPr/>
+        <a:lstStyle/>
+        <a:p>
+          <a:endParaRPr lang="es-ES"/>
+        </a:p>
+      </dgm:t>
+    </dgm:pt>
+    <dgm:pt modelId="{89F6450D-769E-4DD9-9477-C211CFAD9F9D}">
+      <dgm:prSet phldrT="[Texto]"/>
+      <dgm:spPr/>
+      <dgm:t>
+        <a:bodyPr/>
+        <a:lstStyle/>
+        <a:p>
+          <a:r>
+            <a:rPr lang="es-ES" dirty="0" err="1"/>
+            <a:t>predict</a:t>
+          </a:r>
+          <a:r>
+            <a:rPr lang="es-ES" dirty="0"/>
+            <a:t> and </a:t>
+          </a:r>
+          <a:r>
+            <a:rPr lang="es-ES" dirty="0" err="1"/>
+            <a:t>check</a:t>
+          </a:r>
+          <a:r>
+            <a:rPr lang="es-ES" dirty="0"/>
+            <a:t> </a:t>
+          </a:r>
+          <a:r>
+            <a:rPr lang="es-ES" dirty="0" err="1"/>
+            <a:t>how</a:t>
+          </a:r>
+          <a:r>
+            <a:rPr lang="es-ES" dirty="0"/>
+            <a:t> </a:t>
+          </a:r>
+          <a:r>
+            <a:rPr lang="es-ES" dirty="0" err="1"/>
+            <a:t>good</a:t>
+          </a:r>
+          <a:r>
+            <a:rPr lang="es-ES" dirty="0"/>
+            <a:t> </a:t>
+          </a:r>
+          <a:r>
+            <a:rPr lang="es-ES" dirty="0" err="1"/>
+            <a:t>predictions</a:t>
+          </a:r>
+          <a:r>
+            <a:rPr lang="es-ES" dirty="0"/>
+            <a:t> are</a:t>
+          </a:r>
+        </a:p>
+      </dgm:t>
+    </dgm:pt>
+    <dgm:pt modelId="{6B8C0D8E-34EB-4F5B-82E2-218D463A3D5F}" type="parTrans" cxnId="{92FD5EDA-0F68-4855-8934-86F7E2AEC7EC}">
+      <dgm:prSet/>
+      <dgm:spPr/>
+      <dgm:t>
+        <a:bodyPr/>
+        <a:lstStyle/>
+        <a:p>
+          <a:endParaRPr lang="es-ES"/>
+        </a:p>
+      </dgm:t>
+    </dgm:pt>
+    <dgm:pt modelId="{B8A5B6A9-4BBE-4D7D-8481-5730E8FA1448}" type="sibTrans" cxnId="{92FD5EDA-0F68-4855-8934-86F7E2AEC7EC}">
+      <dgm:prSet/>
+      <dgm:spPr/>
+      <dgm:t>
+        <a:bodyPr/>
+        <a:lstStyle/>
+        <a:p>
+          <a:endParaRPr lang="es-ES"/>
+        </a:p>
+      </dgm:t>
+    </dgm:pt>
+    <dgm:pt modelId="{347DEC0A-A4A5-451F-9917-62A34FDD4265}" type="pres">
+      <dgm:prSet presAssocID="{21BF3F5B-61DE-4097-98DB-634A28658836}" presName="CompostProcess" presStyleCnt="0">
+        <dgm:presLayoutVars>
+          <dgm:dir/>
+          <dgm:resizeHandles val="exact"/>
+        </dgm:presLayoutVars>
+      </dgm:prSet>
+      <dgm:spPr/>
+    </dgm:pt>
+    <dgm:pt modelId="{4930B450-759F-4DD1-94BC-FE06D7F6F0A2}" type="pres">
+      <dgm:prSet presAssocID="{21BF3F5B-61DE-4097-98DB-634A28658836}" presName="arrow" presStyleLbl="bgShp" presStyleIdx="0" presStyleCnt="1"/>
+      <dgm:spPr/>
+    </dgm:pt>
+    <dgm:pt modelId="{F2CB1174-7FCF-40F2-8748-6A06E6392CA3}" type="pres">
+      <dgm:prSet presAssocID="{21BF3F5B-61DE-4097-98DB-634A28658836}" presName="linearProcess" presStyleCnt="0"/>
+      <dgm:spPr/>
+    </dgm:pt>
+    <dgm:pt modelId="{4D989356-7024-4627-83C1-1DFB23ED9534}" type="pres">
+      <dgm:prSet presAssocID="{BF38FAD5-81AD-4575-A891-CFA34D4EBD50}" presName="textNode" presStyleLbl="node1" presStyleIdx="0" presStyleCnt="6">
+        <dgm:presLayoutVars>
+          <dgm:bulletEnabled val="1"/>
+        </dgm:presLayoutVars>
+      </dgm:prSet>
+      <dgm:spPr/>
+    </dgm:pt>
+    <dgm:pt modelId="{8BCE01FB-D564-449B-BBC0-8E3319835BC2}" type="pres">
+      <dgm:prSet presAssocID="{78171749-E273-4719-AB46-9077400A4AD4}" presName="sibTrans" presStyleCnt="0"/>
+      <dgm:spPr/>
+    </dgm:pt>
+    <dgm:pt modelId="{C468026B-CF21-4518-BEB5-10D558AAD08C}" type="pres">
+      <dgm:prSet presAssocID="{FB0D4376-E309-437F-97AC-811A5A429FE6}" presName="textNode" presStyleLbl="node1" presStyleIdx="1" presStyleCnt="6" custLinFactNeighborX="0" custLinFactNeighborY="0">
+        <dgm:presLayoutVars>
+          <dgm:bulletEnabled val="1"/>
+        </dgm:presLayoutVars>
+      </dgm:prSet>
+      <dgm:spPr/>
+    </dgm:pt>
+    <dgm:pt modelId="{B481C265-2022-4914-A668-E7E0BF650211}" type="pres">
+      <dgm:prSet presAssocID="{977D9A03-3A3B-4D60-9C1A-70D8D0E59EE1}" presName="sibTrans" presStyleCnt="0"/>
+      <dgm:spPr/>
+    </dgm:pt>
+    <dgm:pt modelId="{7C035427-2C67-418E-BFDB-89069DBDA5BB}" type="pres">
+      <dgm:prSet presAssocID="{154639D1-85E2-4A41-871B-358B8CD48B51}" presName="textNode" presStyleLbl="node1" presStyleIdx="2" presStyleCnt="6">
+        <dgm:presLayoutVars>
+          <dgm:bulletEnabled val="1"/>
+        </dgm:presLayoutVars>
+      </dgm:prSet>
+      <dgm:spPr/>
+    </dgm:pt>
+    <dgm:pt modelId="{DEE6D96A-130C-46B2-AE37-1D5C9DF4FD1A}" type="pres">
+      <dgm:prSet presAssocID="{7FA0A75D-6AE8-46FA-B9A5-82CEB49FD910}" presName="sibTrans" presStyleCnt="0"/>
+      <dgm:spPr/>
+    </dgm:pt>
+    <dgm:pt modelId="{28A47E08-80ED-4097-B78F-DAD06F92434C}" type="pres">
+      <dgm:prSet presAssocID="{EB320909-38D2-4DE6-836B-8FE0855C1255}" presName="textNode" presStyleLbl="node1" presStyleIdx="3" presStyleCnt="6">
+        <dgm:presLayoutVars>
+          <dgm:bulletEnabled val="1"/>
+        </dgm:presLayoutVars>
+      </dgm:prSet>
+      <dgm:spPr/>
+    </dgm:pt>
+    <dgm:pt modelId="{B769DBF2-A4B0-454C-BA92-249DAC50255C}" type="pres">
+      <dgm:prSet presAssocID="{52AF4419-7F42-4528-A85F-AD2DA3A88688}" presName="sibTrans" presStyleCnt="0"/>
+      <dgm:spPr/>
+    </dgm:pt>
+    <dgm:pt modelId="{DABC107E-9F50-495F-9B65-A03B4D893A2D}" type="pres">
+      <dgm:prSet presAssocID="{2140543E-955B-4E3C-8882-C48E95DD000C}" presName="textNode" presStyleLbl="node1" presStyleIdx="4" presStyleCnt="6">
+        <dgm:presLayoutVars>
+          <dgm:bulletEnabled val="1"/>
+        </dgm:presLayoutVars>
+      </dgm:prSet>
+      <dgm:spPr/>
+    </dgm:pt>
+    <dgm:pt modelId="{7E1F6A84-C638-40C2-8C19-CF4205971D7C}" type="pres">
+      <dgm:prSet presAssocID="{5B3EBD08-11F1-4086-994D-FC192AD6BDDB}" presName="sibTrans" presStyleCnt="0"/>
+      <dgm:spPr/>
+    </dgm:pt>
+    <dgm:pt modelId="{38AD3BCA-2ACD-443E-85E1-C0D7B3F2E1BD}" type="pres">
+      <dgm:prSet presAssocID="{89F6450D-769E-4DD9-9477-C211CFAD9F9D}" presName="textNode" presStyleLbl="node1" presStyleIdx="5" presStyleCnt="6">
+        <dgm:presLayoutVars>
+          <dgm:bulletEnabled val="1"/>
+        </dgm:presLayoutVars>
+      </dgm:prSet>
+      <dgm:spPr/>
+    </dgm:pt>
+  </dgm:ptLst>
+  <dgm:cxnLst>
+    <dgm:cxn modelId="{E7D97C00-D399-4022-B9A0-415E6C3326C4}" type="presOf" srcId="{21BF3F5B-61DE-4097-98DB-634A28658836}" destId="{347DEC0A-A4A5-451F-9917-62A34FDD4265}" srcOrd="0" destOrd="0" presId="urn:microsoft.com/office/officeart/2005/8/layout/hProcess9"/>
+    <dgm:cxn modelId="{CEA6D509-FB54-4AC4-9D4D-677C4238B464}" srcId="{21BF3F5B-61DE-4097-98DB-634A28658836}" destId="{FB0D4376-E309-437F-97AC-811A5A429FE6}" srcOrd="1" destOrd="0" parTransId="{FE1B5F23-88EA-434F-A9C7-47DC50C28AA7}" sibTransId="{977D9A03-3A3B-4D60-9C1A-70D8D0E59EE1}"/>
+    <dgm:cxn modelId="{EE210027-63AD-4224-B857-264A77F355A6}" srcId="{21BF3F5B-61DE-4097-98DB-634A28658836}" destId="{154639D1-85E2-4A41-871B-358B8CD48B51}" srcOrd="2" destOrd="0" parTransId="{922D67F2-08AE-4716-9161-270DF6C5B3ED}" sibTransId="{7FA0A75D-6AE8-46FA-B9A5-82CEB49FD910}"/>
+    <dgm:cxn modelId="{0D38B038-DFE8-4F37-8090-DFE51D6BA4D5}" type="presOf" srcId="{2140543E-955B-4E3C-8882-C48E95DD000C}" destId="{DABC107E-9F50-495F-9B65-A03B4D893A2D}" srcOrd="0" destOrd="0" presId="urn:microsoft.com/office/officeart/2005/8/layout/hProcess9"/>
+    <dgm:cxn modelId="{C8FD173B-0115-41E2-A80A-96A5486A0222}" srcId="{21BF3F5B-61DE-4097-98DB-634A28658836}" destId="{BF38FAD5-81AD-4575-A891-CFA34D4EBD50}" srcOrd="0" destOrd="0" parTransId="{17688701-A6BC-4D38-A619-43548CE20055}" sibTransId="{78171749-E273-4719-AB46-9077400A4AD4}"/>
+    <dgm:cxn modelId="{4FC22748-2D55-410A-A878-54197C43CCB3}" type="presOf" srcId="{FB0D4376-E309-437F-97AC-811A5A429FE6}" destId="{C468026B-CF21-4518-BEB5-10D558AAD08C}" srcOrd="0" destOrd="0" presId="urn:microsoft.com/office/officeart/2005/8/layout/hProcess9"/>
+    <dgm:cxn modelId="{0EF8174D-5558-4847-8C51-465B2929D373}" srcId="{21BF3F5B-61DE-4097-98DB-634A28658836}" destId="{EB320909-38D2-4DE6-836B-8FE0855C1255}" srcOrd="3" destOrd="0" parTransId="{026FAF17-8559-4C19-BE60-1E27CC2208E5}" sibTransId="{52AF4419-7F42-4528-A85F-AD2DA3A88688}"/>
+    <dgm:cxn modelId="{74D48AA3-4766-48FB-AA95-D8B7BDE48F3C}" type="presOf" srcId="{154639D1-85E2-4A41-871B-358B8CD48B51}" destId="{7C035427-2C67-418E-BFDB-89069DBDA5BB}" srcOrd="0" destOrd="0" presId="urn:microsoft.com/office/officeart/2005/8/layout/hProcess9"/>
+    <dgm:cxn modelId="{A5F2C2A8-6A11-4C00-98AF-86134B4D88FB}" srcId="{21BF3F5B-61DE-4097-98DB-634A28658836}" destId="{2140543E-955B-4E3C-8882-C48E95DD000C}" srcOrd="4" destOrd="0" parTransId="{BD9EAE3F-F81E-4F2F-A7E7-850938647D4B}" sibTransId="{5B3EBD08-11F1-4086-994D-FC192AD6BDDB}"/>
+    <dgm:cxn modelId="{9C2211AE-1FCD-49A3-BD1D-0F69A8FB6486}" type="presOf" srcId="{89F6450D-769E-4DD9-9477-C211CFAD9F9D}" destId="{38AD3BCA-2ACD-443E-85E1-C0D7B3F2E1BD}" srcOrd="0" destOrd="0" presId="urn:microsoft.com/office/officeart/2005/8/layout/hProcess9"/>
+    <dgm:cxn modelId="{22EBD9B5-B26B-4668-B376-50718E93E02C}" type="presOf" srcId="{BF38FAD5-81AD-4575-A891-CFA34D4EBD50}" destId="{4D989356-7024-4627-83C1-1DFB23ED9534}" srcOrd="0" destOrd="0" presId="urn:microsoft.com/office/officeart/2005/8/layout/hProcess9"/>
+    <dgm:cxn modelId="{162849C7-8333-4F60-80F0-2DF5E00751C9}" type="presOf" srcId="{EB320909-38D2-4DE6-836B-8FE0855C1255}" destId="{28A47E08-80ED-4097-B78F-DAD06F92434C}" srcOrd="0" destOrd="0" presId="urn:microsoft.com/office/officeart/2005/8/layout/hProcess9"/>
+    <dgm:cxn modelId="{92FD5EDA-0F68-4855-8934-86F7E2AEC7EC}" srcId="{21BF3F5B-61DE-4097-98DB-634A28658836}" destId="{89F6450D-769E-4DD9-9477-C211CFAD9F9D}" srcOrd="5" destOrd="0" parTransId="{6B8C0D8E-34EB-4F5B-82E2-218D463A3D5F}" sibTransId="{B8A5B6A9-4BBE-4D7D-8481-5730E8FA1448}"/>
+    <dgm:cxn modelId="{5BB437D5-5AB7-4E4A-81CA-2ECBB20D530B}" type="presParOf" srcId="{347DEC0A-A4A5-451F-9917-62A34FDD4265}" destId="{4930B450-759F-4DD1-94BC-FE06D7F6F0A2}" srcOrd="0" destOrd="0" presId="urn:microsoft.com/office/officeart/2005/8/layout/hProcess9"/>
+    <dgm:cxn modelId="{02C725DA-053B-4B1B-87A9-8991FE3D55DF}" type="presParOf" srcId="{347DEC0A-A4A5-451F-9917-62A34FDD4265}" destId="{F2CB1174-7FCF-40F2-8748-6A06E6392CA3}" srcOrd="1" destOrd="0" presId="urn:microsoft.com/office/officeart/2005/8/layout/hProcess9"/>
+    <dgm:cxn modelId="{E574789D-3771-4F19-BB2A-0AD365A5DA6F}" type="presParOf" srcId="{F2CB1174-7FCF-40F2-8748-6A06E6392CA3}" destId="{4D989356-7024-4627-83C1-1DFB23ED9534}" srcOrd="0" destOrd="0" presId="urn:microsoft.com/office/officeart/2005/8/layout/hProcess9"/>
+    <dgm:cxn modelId="{805E8464-4A19-4A86-93FE-8E32584F9463}" type="presParOf" srcId="{F2CB1174-7FCF-40F2-8748-6A06E6392CA3}" destId="{8BCE01FB-D564-449B-BBC0-8E3319835BC2}" srcOrd="1" destOrd="0" presId="urn:microsoft.com/office/officeart/2005/8/layout/hProcess9"/>
+    <dgm:cxn modelId="{B86CFEC4-233F-4631-8147-7EF1409CA904}" type="presParOf" srcId="{F2CB1174-7FCF-40F2-8748-6A06E6392CA3}" destId="{C468026B-CF21-4518-BEB5-10D558AAD08C}" srcOrd="2" destOrd="0" presId="urn:microsoft.com/office/officeart/2005/8/layout/hProcess9"/>
+    <dgm:cxn modelId="{AF46D7F9-5D69-41F4-820F-3CD621315002}" type="presParOf" srcId="{F2CB1174-7FCF-40F2-8748-6A06E6392CA3}" destId="{B481C265-2022-4914-A668-E7E0BF650211}" srcOrd="3" destOrd="0" presId="urn:microsoft.com/office/officeart/2005/8/layout/hProcess9"/>
+    <dgm:cxn modelId="{2FCB1CF0-9E93-4453-8EBF-E8FA9BBD36B6}" type="presParOf" srcId="{F2CB1174-7FCF-40F2-8748-6A06E6392CA3}" destId="{7C035427-2C67-418E-BFDB-89069DBDA5BB}" srcOrd="4" destOrd="0" presId="urn:microsoft.com/office/officeart/2005/8/layout/hProcess9"/>
+    <dgm:cxn modelId="{4AA158C8-AC0D-4B29-B031-0F0A9B93738F}" type="presParOf" srcId="{F2CB1174-7FCF-40F2-8748-6A06E6392CA3}" destId="{DEE6D96A-130C-46B2-AE37-1D5C9DF4FD1A}" srcOrd="5" destOrd="0" presId="urn:microsoft.com/office/officeart/2005/8/layout/hProcess9"/>
+    <dgm:cxn modelId="{71C2AF30-28EC-4AD3-BD7D-AB0767774936}" type="presParOf" srcId="{F2CB1174-7FCF-40F2-8748-6A06E6392CA3}" destId="{28A47E08-80ED-4097-B78F-DAD06F92434C}" srcOrd="6" destOrd="0" presId="urn:microsoft.com/office/officeart/2005/8/layout/hProcess9"/>
+    <dgm:cxn modelId="{3AC39106-99BA-47D2-87FE-B85225974814}" type="presParOf" srcId="{F2CB1174-7FCF-40F2-8748-6A06E6392CA3}" destId="{B769DBF2-A4B0-454C-BA92-249DAC50255C}" srcOrd="7" destOrd="0" presId="urn:microsoft.com/office/officeart/2005/8/layout/hProcess9"/>
+    <dgm:cxn modelId="{DCC48997-0968-4FF2-8CAB-40D8168EDF9F}" type="presParOf" srcId="{F2CB1174-7FCF-40F2-8748-6A06E6392CA3}" destId="{DABC107E-9F50-495F-9B65-A03B4D893A2D}" srcOrd="8" destOrd="0" presId="urn:microsoft.com/office/officeart/2005/8/layout/hProcess9"/>
+    <dgm:cxn modelId="{62DA8F54-5C9F-423C-A3AB-61870EC17868}" type="presParOf" srcId="{F2CB1174-7FCF-40F2-8748-6A06E6392CA3}" destId="{7E1F6A84-C638-40C2-8C19-CF4205971D7C}" srcOrd="9" destOrd="0" presId="urn:microsoft.com/office/officeart/2005/8/layout/hProcess9"/>
+    <dgm:cxn modelId="{AC3526BC-DBB8-416C-BA5D-5C065911431A}" type="presParOf" srcId="{F2CB1174-7FCF-40F2-8748-6A06E6392CA3}" destId="{38AD3BCA-2ACD-443E-85E1-C0D7B3F2E1BD}" srcOrd="10" destOrd="0" presId="urn:microsoft.com/office/officeart/2005/8/layout/hProcess9"/>
+  </dgm:cxnLst>
+  <dgm:bg/>
+  <dgm:whole/>
+  <dgm:extLst>
+    <a:ext uri="http://schemas.microsoft.com/office/drawing/2008/diagram">
+      <dsp:dataModelExt xmlns:dsp="http://schemas.microsoft.com/office/drawing/2008/diagram" relId="rId6" minVer="http://schemas.openxmlformats.org/drawingml/2006/diagram"/>
+    </a:ext>
+  </dgm:extLst>
+</dgm:dataModel>
+</file>
+
+<file path=ppt/diagrams/data2.xml><?xml version="1.0" encoding="utf-8"?>
 <dgm:dataModel xmlns:dgm="http://schemas.openxmlformats.org/drawingml/2006/diagram" xmlns:a="http://schemas.openxmlformats.org/drawingml/2006/main">
   <dgm:ptLst>
     <dgm:pt modelId="{28A11E31-33AA-43E8-9C10-1328EAE89D48}" type="doc">
@@ -2098,6 +3287,615 @@
 </file>
 
 <file path=ppt/diagrams/drawing1.xml><?xml version="1.0" encoding="utf-8"?>
+<dsp:drawing xmlns:dgm="http://schemas.openxmlformats.org/drawingml/2006/diagram" xmlns:dsp="http://schemas.microsoft.com/office/drawing/2008/diagram" xmlns:a="http://schemas.openxmlformats.org/drawingml/2006/main">
+  <dsp:spTree>
+    <dsp:nvGrpSpPr>
+      <dsp:cNvPr id="0" name=""/>
+      <dsp:cNvGrpSpPr/>
+    </dsp:nvGrpSpPr>
+    <dsp:grpSpPr/>
+    <dsp:sp modelId="{4930B450-759F-4DD1-94BC-FE06D7F6F0A2}">
+      <dsp:nvSpPr>
+        <dsp:cNvPr id="0" name=""/>
+        <dsp:cNvSpPr/>
+      </dsp:nvSpPr>
+      <dsp:spPr>
+        <a:xfrm>
+          <a:off x="848032" y="0"/>
+          <a:ext cx="9611032" cy="5425495"/>
+        </a:xfrm>
+        <a:prstGeom prst="rightArrow">
+          <a:avLst/>
+        </a:prstGeom>
+        <a:solidFill>
+          <a:schemeClr val="accent1">
+            <a:tint val="40000"/>
+            <a:hueOff val="0"/>
+            <a:satOff val="0"/>
+            <a:lumOff val="0"/>
+            <a:alphaOff val="0"/>
+          </a:schemeClr>
+        </a:solidFill>
+        <a:ln>
+          <a:noFill/>
+        </a:ln>
+        <a:effectLst/>
+      </dsp:spPr>
+      <dsp:style>
+        <a:lnRef idx="0">
+          <a:scrgbClr r="0" g="0" b="0"/>
+        </a:lnRef>
+        <a:fillRef idx="1">
+          <a:scrgbClr r="0" g="0" b="0"/>
+        </a:fillRef>
+        <a:effectRef idx="0">
+          <a:scrgbClr r="0" g="0" b="0"/>
+        </a:effectRef>
+        <a:fontRef idx="minor"/>
+      </dsp:style>
+    </dsp:sp>
+    <dsp:sp modelId="{4D989356-7024-4627-83C1-1DFB23ED9534}">
+      <dsp:nvSpPr>
+        <dsp:cNvPr id="0" name=""/>
+        <dsp:cNvSpPr/>
+      </dsp:nvSpPr>
+      <dsp:spPr>
+        <a:xfrm>
+          <a:off x="3105" y="1627648"/>
+          <a:ext cx="1808141" cy="2170198"/>
+        </a:xfrm>
+        <a:prstGeom prst="roundRect">
+          <a:avLst/>
+        </a:prstGeom>
+        <a:solidFill>
+          <a:schemeClr val="accent1">
+            <a:hueOff val="0"/>
+            <a:satOff val="0"/>
+            <a:lumOff val="0"/>
+            <a:alphaOff val="0"/>
+          </a:schemeClr>
+        </a:solidFill>
+        <a:ln w="12700" cap="flat" cmpd="sng" algn="ctr">
+          <a:solidFill>
+            <a:schemeClr val="lt1">
+              <a:hueOff val="0"/>
+              <a:satOff val="0"/>
+              <a:lumOff val="0"/>
+              <a:alphaOff val="0"/>
+            </a:schemeClr>
+          </a:solidFill>
+          <a:prstDash val="solid"/>
+          <a:miter lim="800000"/>
+        </a:ln>
+        <a:effectLst/>
+      </dsp:spPr>
+      <dsp:style>
+        <a:lnRef idx="2">
+          <a:scrgbClr r="0" g="0" b="0"/>
+        </a:lnRef>
+        <a:fillRef idx="1">
+          <a:scrgbClr r="0" g="0" b="0"/>
+        </a:fillRef>
+        <a:effectRef idx="0">
+          <a:scrgbClr r="0" g="0" b="0"/>
+        </a:effectRef>
+        <a:fontRef idx="minor">
+          <a:schemeClr val="lt1"/>
+        </a:fontRef>
+      </dsp:style>
+      <dsp:txBody>
+        <a:bodyPr spcFirstLastPara="0" vert="horz" wrap="square" lIns="91440" tIns="91440" rIns="91440" bIns="91440" numCol="1" spcCol="1270" anchor="ctr" anchorCtr="0">
+          <a:noAutofit/>
+        </a:bodyPr>
+        <a:lstStyle/>
+        <a:p>
+          <a:pPr marL="0" lvl="0" indent="0" algn="ctr" defTabSz="1066800">
+            <a:lnSpc>
+              <a:spcPct val="90000"/>
+            </a:lnSpc>
+            <a:spcBef>
+              <a:spcPct val="0"/>
+            </a:spcBef>
+            <a:spcAft>
+              <a:spcPct val="35000"/>
+            </a:spcAft>
+            <a:buNone/>
+          </a:pPr>
+          <a:r>
+            <a:rPr lang="es-ES" sz="2400" kern="1200" dirty="0"/>
+            <a:t>load data</a:t>
+          </a:r>
+        </a:p>
+      </dsp:txBody>
+      <dsp:txXfrm>
+        <a:off x="91371" y="1715914"/>
+        <a:ext cx="1631609" cy="1993666"/>
+      </dsp:txXfrm>
+    </dsp:sp>
+    <dsp:sp modelId="{C468026B-CF21-4518-BEB5-10D558AAD08C}">
+      <dsp:nvSpPr>
+        <dsp:cNvPr id="0" name=""/>
+        <dsp:cNvSpPr/>
+      </dsp:nvSpPr>
+      <dsp:spPr>
+        <a:xfrm>
+          <a:off x="1901654" y="1627648"/>
+          <a:ext cx="1808141" cy="2170198"/>
+        </a:xfrm>
+        <a:prstGeom prst="roundRect">
+          <a:avLst/>
+        </a:prstGeom>
+        <a:solidFill>
+          <a:schemeClr val="accent1">
+            <a:hueOff val="0"/>
+            <a:satOff val="0"/>
+            <a:lumOff val="0"/>
+            <a:alphaOff val="0"/>
+          </a:schemeClr>
+        </a:solidFill>
+        <a:ln w="12700" cap="flat" cmpd="sng" algn="ctr">
+          <a:solidFill>
+            <a:schemeClr val="lt1">
+              <a:hueOff val="0"/>
+              <a:satOff val="0"/>
+              <a:lumOff val="0"/>
+              <a:alphaOff val="0"/>
+            </a:schemeClr>
+          </a:solidFill>
+          <a:prstDash val="solid"/>
+          <a:miter lim="800000"/>
+        </a:ln>
+        <a:effectLst/>
+      </dsp:spPr>
+      <dsp:style>
+        <a:lnRef idx="2">
+          <a:scrgbClr r="0" g="0" b="0"/>
+        </a:lnRef>
+        <a:fillRef idx="1">
+          <a:scrgbClr r="0" g="0" b="0"/>
+        </a:fillRef>
+        <a:effectRef idx="0">
+          <a:scrgbClr r="0" g="0" b="0"/>
+        </a:effectRef>
+        <a:fontRef idx="minor">
+          <a:schemeClr val="lt1"/>
+        </a:fontRef>
+      </dsp:style>
+      <dsp:txBody>
+        <a:bodyPr spcFirstLastPara="0" vert="horz" wrap="square" lIns="91440" tIns="91440" rIns="91440" bIns="91440" numCol="1" spcCol="1270" anchor="ctr" anchorCtr="0">
+          <a:noAutofit/>
+        </a:bodyPr>
+        <a:lstStyle/>
+        <a:p>
+          <a:pPr marL="0" lvl="0" indent="0" algn="ctr" defTabSz="1066800">
+            <a:lnSpc>
+              <a:spcPct val="90000"/>
+            </a:lnSpc>
+            <a:spcBef>
+              <a:spcPct val="0"/>
+            </a:spcBef>
+            <a:spcAft>
+              <a:spcPct val="35000"/>
+            </a:spcAft>
+            <a:buNone/>
+          </a:pPr>
+          <a:r>
+            <a:rPr lang="es-ES" sz="2400" kern="1200" dirty="0" err="1"/>
+            <a:t>check</a:t>
+          </a:r>
+          <a:r>
+            <a:rPr lang="es-ES" sz="2400" kern="1200" dirty="0"/>
+            <a:t> data</a:t>
+          </a:r>
+        </a:p>
+      </dsp:txBody>
+      <dsp:txXfrm>
+        <a:off x="1989920" y="1715914"/>
+        <a:ext cx="1631609" cy="1993666"/>
+      </dsp:txXfrm>
+    </dsp:sp>
+    <dsp:sp modelId="{7C035427-2C67-418E-BFDB-89069DBDA5BB}">
+      <dsp:nvSpPr>
+        <dsp:cNvPr id="0" name=""/>
+        <dsp:cNvSpPr/>
+      </dsp:nvSpPr>
+      <dsp:spPr>
+        <a:xfrm>
+          <a:off x="3800203" y="1627648"/>
+          <a:ext cx="1808141" cy="2170198"/>
+        </a:xfrm>
+        <a:prstGeom prst="roundRect">
+          <a:avLst/>
+        </a:prstGeom>
+        <a:solidFill>
+          <a:schemeClr val="accent1">
+            <a:hueOff val="0"/>
+            <a:satOff val="0"/>
+            <a:lumOff val="0"/>
+            <a:alphaOff val="0"/>
+          </a:schemeClr>
+        </a:solidFill>
+        <a:ln w="12700" cap="flat" cmpd="sng" algn="ctr">
+          <a:solidFill>
+            <a:schemeClr val="lt1">
+              <a:hueOff val="0"/>
+              <a:satOff val="0"/>
+              <a:lumOff val="0"/>
+              <a:alphaOff val="0"/>
+            </a:schemeClr>
+          </a:solidFill>
+          <a:prstDash val="solid"/>
+          <a:miter lim="800000"/>
+        </a:ln>
+        <a:effectLst/>
+      </dsp:spPr>
+      <dsp:style>
+        <a:lnRef idx="2">
+          <a:scrgbClr r="0" g="0" b="0"/>
+        </a:lnRef>
+        <a:fillRef idx="1">
+          <a:scrgbClr r="0" g="0" b="0"/>
+        </a:fillRef>
+        <a:effectRef idx="0">
+          <a:scrgbClr r="0" g="0" b="0"/>
+        </a:effectRef>
+        <a:fontRef idx="minor">
+          <a:schemeClr val="lt1"/>
+        </a:fontRef>
+      </dsp:style>
+      <dsp:txBody>
+        <a:bodyPr spcFirstLastPara="0" vert="horz" wrap="square" lIns="91440" tIns="91440" rIns="91440" bIns="91440" numCol="1" spcCol="1270" anchor="ctr" anchorCtr="0">
+          <a:noAutofit/>
+        </a:bodyPr>
+        <a:lstStyle/>
+        <a:p>
+          <a:pPr marL="0" lvl="0" indent="0" algn="ctr" defTabSz="1066800">
+            <a:lnSpc>
+              <a:spcPct val="90000"/>
+            </a:lnSpc>
+            <a:spcBef>
+              <a:spcPct val="0"/>
+            </a:spcBef>
+            <a:spcAft>
+              <a:spcPct val="35000"/>
+            </a:spcAft>
+            <a:buNone/>
+          </a:pPr>
+          <a:r>
+            <a:rPr lang="es-ES" sz="2400" kern="1200" dirty="0" err="1"/>
+            <a:t>remove</a:t>
+          </a:r>
+          <a:r>
+            <a:rPr lang="es-ES" sz="2400" kern="1200" dirty="0"/>
+            <a:t> </a:t>
+          </a:r>
+          <a:r>
+            <a:rPr lang="es-ES" sz="2400" kern="1200" dirty="0" err="1"/>
+            <a:t>nans</a:t>
+          </a:r>
+          <a:r>
+            <a:rPr lang="es-ES" sz="2400" kern="1200" dirty="0"/>
+            <a:t>, </a:t>
+          </a:r>
+          <a:r>
+            <a:rPr lang="es-ES" sz="2400" kern="1200" dirty="0" err="1"/>
+            <a:t>select</a:t>
+          </a:r>
+          <a:r>
+            <a:rPr lang="es-ES" sz="2400" kern="1200" dirty="0"/>
+            <a:t> </a:t>
+          </a:r>
+          <a:r>
+            <a:rPr lang="es-ES" sz="2400" kern="1200" dirty="0" err="1"/>
+            <a:t>num</a:t>
+          </a:r>
+          <a:r>
+            <a:rPr lang="es-ES" sz="2400" kern="1200" dirty="0"/>
+            <a:t> </a:t>
+          </a:r>
+          <a:r>
+            <a:rPr lang="es-ES" sz="2400" kern="1200" dirty="0" err="1"/>
+            <a:t>feats</a:t>
+          </a:r>
+          <a:endParaRPr lang="es-ES" sz="2400" kern="1200" dirty="0"/>
+        </a:p>
+      </dsp:txBody>
+      <dsp:txXfrm>
+        <a:off x="3888469" y="1715914"/>
+        <a:ext cx="1631609" cy="1993666"/>
+      </dsp:txXfrm>
+    </dsp:sp>
+    <dsp:sp modelId="{28A47E08-80ED-4097-B78F-DAD06F92434C}">
+      <dsp:nvSpPr>
+        <dsp:cNvPr id="0" name=""/>
+        <dsp:cNvSpPr/>
+      </dsp:nvSpPr>
+      <dsp:spPr>
+        <a:xfrm>
+          <a:off x="5698752" y="1627648"/>
+          <a:ext cx="1808141" cy="2170198"/>
+        </a:xfrm>
+        <a:prstGeom prst="roundRect">
+          <a:avLst/>
+        </a:prstGeom>
+        <a:solidFill>
+          <a:schemeClr val="accent1">
+            <a:hueOff val="0"/>
+            <a:satOff val="0"/>
+            <a:lumOff val="0"/>
+            <a:alphaOff val="0"/>
+          </a:schemeClr>
+        </a:solidFill>
+        <a:ln w="12700" cap="flat" cmpd="sng" algn="ctr">
+          <a:solidFill>
+            <a:schemeClr val="lt1">
+              <a:hueOff val="0"/>
+              <a:satOff val="0"/>
+              <a:lumOff val="0"/>
+              <a:alphaOff val="0"/>
+            </a:schemeClr>
+          </a:solidFill>
+          <a:prstDash val="solid"/>
+          <a:miter lim="800000"/>
+        </a:ln>
+        <a:effectLst/>
+      </dsp:spPr>
+      <dsp:style>
+        <a:lnRef idx="2">
+          <a:scrgbClr r="0" g="0" b="0"/>
+        </a:lnRef>
+        <a:fillRef idx="1">
+          <a:scrgbClr r="0" g="0" b="0"/>
+        </a:fillRef>
+        <a:effectRef idx="0">
+          <a:scrgbClr r="0" g="0" b="0"/>
+        </a:effectRef>
+        <a:fontRef idx="minor">
+          <a:schemeClr val="lt1"/>
+        </a:fontRef>
+      </dsp:style>
+      <dsp:txBody>
+        <a:bodyPr spcFirstLastPara="0" vert="horz" wrap="square" lIns="91440" tIns="91440" rIns="91440" bIns="91440" numCol="1" spcCol="1270" anchor="ctr" anchorCtr="0">
+          <a:noAutofit/>
+        </a:bodyPr>
+        <a:lstStyle/>
+        <a:p>
+          <a:pPr marL="0" lvl="0" indent="0" algn="ctr" defTabSz="1066800">
+            <a:lnSpc>
+              <a:spcPct val="90000"/>
+            </a:lnSpc>
+            <a:spcBef>
+              <a:spcPct val="0"/>
+            </a:spcBef>
+            <a:spcAft>
+              <a:spcPct val="35000"/>
+            </a:spcAft>
+            <a:buNone/>
+          </a:pPr>
+          <a:r>
+            <a:rPr lang="es-ES" sz="2400" kern="1200" dirty="0" err="1"/>
+            <a:t>split</a:t>
+          </a:r>
+          <a:r>
+            <a:rPr lang="es-ES" sz="2400" kern="1200" dirty="0"/>
+            <a:t> </a:t>
+          </a:r>
+          <a:r>
+            <a:rPr lang="es-ES" sz="2400" kern="1200" dirty="0" err="1"/>
+            <a:t>train</a:t>
+          </a:r>
+          <a:r>
+            <a:rPr lang="es-ES" sz="2400" kern="1200" dirty="0"/>
+            <a:t>/test</a:t>
+          </a:r>
+        </a:p>
+      </dsp:txBody>
+      <dsp:txXfrm>
+        <a:off x="5787018" y="1715914"/>
+        <a:ext cx="1631609" cy="1993666"/>
+      </dsp:txXfrm>
+    </dsp:sp>
+    <dsp:sp modelId="{DABC107E-9F50-495F-9B65-A03B4D893A2D}">
+      <dsp:nvSpPr>
+        <dsp:cNvPr id="0" name=""/>
+        <dsp:cNvSpPr/>
+      </dsp:nvSpPr>
+      <dsp:spPr>
+        <a:xfrm>
+          <a:off x="7597300" y="1627648"/>
+          <a:ext cx="1808141" cy="2170198"/>
+        </a:xfrm>
+        <a:prstGeom prst="roundRect">
+          <a:avLst/>
+        </a:prstGeom>
+        <a:solidFill>
+          <a:schemeClr val="accent1">
+            <a:hueOff val="0"/>
+            <a:satOff val="0"/>
+            <a:lumOff val="0"/>
+            <a:alphaOff val="0"/>
+          </a:schemeClr>
+        </a:solidFill>
+        <a:ln w="12700" cap="flat" cmpd="sng" algn="ctr">
+          <a:solidFill>
+            <a:schemeClr val="lt1">
+              <a:hueOff val="0"/>
+              <a:satOff val="0"/>
+              <a:lumOff val="0"/>
+              <a:alphaOff val="0"/>
+            </a:schemeClr>
+          </a:solidFill>
+          <a:prstDash val="solid"/>
+          <a:miter lim="800000"/>
+        </a:ln>
+        <a:effectLst/>
+      </dsp:spPr>
+      <dsp:style>
+        <a:lnRef idx="2">
+          <a:scrgbClr r="0" g="0" b="0"/>
+        </a:lnRef>
+        <a:fillRef idx="1">
+          <a:scrgbClr r="0" g="0" b="0"/>
+        </a:fillRef>
+        <a:effectRef idx="0">
+          <a:scrgbClr r="0" g="0" b="0"/>
+        </a:effectRef>
+        <a:fontRef idx="minor">
+          <a:schemeClr val="lt1"/>
+        </a:fontRef>
+      </dsp:style>
+      <dsp:txBody>
+        <a:bodyPr spcFirstLastPara="0" vert="horz" wrap="square" lIns="91440" tIns="91440" rIns="91440" bIns="91440" numCol="1" spcCol="1270" anchor="ctr" anchorCtr="0">
+          <a:noAutofit/>
+        </a:bodyPr>
+        <a:lstStyle/>
+        <a:p>
+          <a:pPr marL="0" lvl="0" indent="0" algn="ctr" defTabSz="1066800">
+            <a:lnSpc>
+              <a:spcPct val="90000"/>
+            </a:lnSpc>
+            <a:spcBef>
+              <a:spcPct val="0"/>
+            </a:spcBef>
+            <a:spcAft>
+              <a:spcPct val="35000"/>
+            </a:spcAft>
+            <a:buNone/>
+          </a:pPr>
+          <a:r>
+            <a:rPr lang="es-ES" sz="2400" kern="1200" dirty="0" err="1"/>
+            <a:t>train</a:t>
+          </a:r>
+          <a:r>
+            <a:rPr lang="es-ES" sz="2400" kern="1200" dirty="0"/>
+            <a:t> </a:t>
+          </a:r>
+        </a:p>
+      </dsp:txBody>
+      <dsp:txXfrm>
+        <a:off x="7685566" y="1715914"/>
+        <a:ext cx="1631609" cy="1993666"/>
+      </dsp:txXfrm>
+    </dsp:sp>
+    <dsp:sp modelId="{38AD3BCA-2ACD-443E-85E1-C0D7B3F2E1BD}">
+      <dsp:nvSpPr>
+        <dsp:cNvPr id="0" name=""/>
+        <dsp:cNvSpPr/>
+      </dsp:nvSpPr>
+      <dsp:spPr>
+        <a:xfrm>
+          <a:off x="9495849" y="1627648"/>
+          <a:ext cx="1808141" cy="2170198"/>
+        </a:xfrm>
+        <a:prstGeom prst="roundRect">
+          <a:avLst/>
+        </a:prstGeom>
+        <a:solidFill>
+          <a:schemeClr val="accent1">
+            <a:hueOff val="0"/>
+            <a:satOff val="0"/>
+            <a:lumOff val="0"/>
+            <a:alphaOff val="0"/>
+          </a:schemeClr>
+        </a:solidFill>
+        <a:ln w="12700" cap="flat" cmpd="sng" algn="ctr">
+          <a:solidFill>
+            <a:schemeClr val="lt1">
+              <a:hueOff val="0"/>
+              <a:satOff val="0"/>
+              <a:lumOff val="0"/>
+              <a:alphaOff val="0"/>
+            </a:schemeClr>
+          </a:solidFill>
+          <a:prstDash val="solid"/>
+          <a:miter lim="800000"/>
+        </a:ln>
+        <a:effectLst/>
+      </dsp:spPr>
+      <dsp:style>
+        <a:lnRef idx="2">
+          <a:scrgbClr r="0" g="0" b="0"/>
+        </a:lnRef>
+        <a:fillRef idx="1">
+          <a:scrgbClr r="0" g="0" b="0"/>
+        </a:fillRef>
+        <a:effectRef idx="0">
+          <a:scrgbClr r="0" g="0" b="0"/>
+        </a:effectRef>
+        <a:fontRef idx="minor">
+          <a:schemeClr val="lt1"/>
+        </a:fontRef>
+      </dsp:style>
+      <dsp:txBody>
+        <a:bodyPr spcFirstLastPara="0" vert="horz" wrap="square" lIns="91440" tIns="91440" rIns="91440" bIns="91440" numCol="1" spcCol="1270" anchor="ctr" anchorCtr="0">
+          <a:noAutofit/>
+        </a:bodyPr>
+        <a:lstStyle/>
+        <a:p>
+          <a:pPr marL="0" lvl="0" indent="0" algn="ctr" defTabSz="1066800">
+            <a:lnSpc>
+              <a:spcPct val="90000"/>
+            </a:lnSpc>
+            <a:spcBef>
+              <a:spcPct val="0"/>
+            </a:spcBef>
+            <a:spcAft>
+              <a:spcPct val="35000"/>
+            </a:spcAft>
+            <a:buNone/>
+          </a:pPr>
+          <a:r>
+            <a:rPr lang="es-ES" sz="2400" kern="1200" dirty="0" err="1"/>
+            <a:t>predict</a:t>
+          </a:r>
+          <a:r>
+            <a:rPr lang="es-ES" sz="2400" kern="1200" dirty="0"/>
+            <a:t> and </a:t>
+          </a:r>
+          <a:r>
+            <a:rPr lang="es-ES" sz="2400" kern="1200" dirty="0" err="1"/>
+            <a:t>check</a:t>
+          </a:r>
+          <a:r>
+            <a:rPr lang="es-ES" sz="2400" kern="1200" dirty="0"/>
+            <a:t> </a:t>
+          </a:r>
+          <a:r>
+            <a:rPr lang="es-ES" sz="2400" kern="1200" dirty="0" err="1"/>
+            <a:t>how</a:t>
+          </a:r>
+          <a:r>
+            <a:rPr lang="es-ES" sz="2400" kern="1200" dirty="0"/>
+            <a:t> </a:t>
+          </a:r>
+          <a:r>
+            <a:rPr lang="es-ES" sz="2400" kern="1200" dirty="0" err="1"/>
+            <a:t>good</a:t>
+          </a:r>
+          <a:r>
+            <a:rPr lang="es-ES" sz="2400" kern="1200" dirty="0"/>
+            <a:t> </a:t>
+          </a:r>
+          <a:r>
+            <a:rPr lang="es-ES" sz="2400" kern="1200" dirty="0" err="1"/>
+            <a:t>predictions</a:t>
+          </a:r>
+          <a:r>
+            <a:rPr lang="es-ES" sz="2400" kern="1200" dirty="0"/>
+            <a:t> are</a:t>
+          </a:r>
+        </a:p>
+      </dsp:txBody>
+      <dsp:txXfrm>
+        <a:off x="9584115" y="1715914"/>
+        <a:ext cx="1631609" cy="1993666"/>
+      </dsp:txXfrm>
+    </dsp:sp>
+  </dsp:spTree>
+</dsp:drawing>
+</file>
+
+<file path=ppt/diagrams/drawing2.xml><?xml version="1.0" encoding="utf-8"?>
 <dsp:drawing xmlns:dgm="http://schemas.openxmlformats.org/drawingml/2006/diagram" xmlns:dsp="http://schemas.microsoft.com/office/drawing/2008/diagram" xmlns:a="http://schemas.openxmlformats.org/drawingml/2006/main">
   <dsp:spTree>
     <dsp:nvGrpSpPr>
@@ -3548,6 +5346,160 @@
 </file>
 
 <file path=ppt/diagrams/layout1.xml><?xml version="1.0" encoding="utf-8"?>
+<dgm:layoutDef xmlns:dgm="http://schemas.openxmlformats.org/drawingml/2006/diagram" xmlns:a="http://schemas.openxmlformats.org/drawingml/2006/main" uniqueId="urn:microsoft.com/office/officeart/2005/8/layout/hProcess9">
+  <dgm:title val=""/>
+  <dgm:desc val=""/>
+  <dgm:catLst>
+    <dgm:cat type="process" pri="5000"/>
+    <dgm:cat type="convert" pri="13000"/>
+  </dgm:catLst>
+  <dgm:sampData useDef="1">
+    <dgm:dataModel>
+      <dgm:ptLst/>
+      <dgm:bg/>
+      <dgm:whole/>
+    </dgm:dataModel>
+  </dgm:sampData>
+  <dgm:styleData>
+    <dgm:dataModel>
+      <dgm:ptLst>
+        <dgm:pt modelId="0" type="doc"/>
+        <dgm:pt modelId="1"/>
+        <dgm:pt modelId="2"/>
+      </dgm:ptLst>
+      <dgm:cxnLst>
+        <dgm:cxn modelId="3" srcId="0" destId="1" srcOrd="0" destOrd="0"/>
+        <dgm:cxn modelId="4" srcId="0" destId="2" srcOrd="1" destOrd="0"/>
+      </dgm:cxnLst>
+      <dgm:bg/>
+      <dgm:whole/>
+    </dgm:dataModel>
+  </dgm:styleData>
+  <dgm:clrData>
+    <dgm:dataModel>
+      <dgm:ptLst>
+        <dgm:pt modelId="0" type="doc"/>
+        <dgm:pt modelId="1"/>
+        <dgm:pt modelId="2"/>
+        <dgm:pt modelId="3"/>
+        <dgm:pt modelId="4"/>
+      </dgm:ptLst>
+      <dgm:cxnLst>
+        <dgm:cxn modelId="5" srcId="0" destId="1" srcOrd="0" destOrd="0"/>
+        <dgm:cxn modelId="6" srcId="0" destId="2" srcOrd="1" destOrd="0"/>
+        <dgm:cxn modelId="7" srcId="0" destId="3" srcOrd="2" destOrd="0"/>
+        <dgm:cxn modelId="8" srcId="0" destId="4" srcOrd="3" destOrd="0"/>
+      </dgm:cxnLst>
+      <dgm:bg/>
+      <dgm:whole/>
+    </dgm:dataModel>
+  </dgm:clrData>
+  <dgm:layoutNode name="CompostProcess">
+    <dgm:varLst>
+      <dgm:dir/>
+      <dgm:resizeHandles val="exact"/>
+    </dgm:varLst>
+    <dgm:alg type="composite">
+      <dgm:param type="horzAlign" val="ctr"/>
+      <dgm:param type="vertAlign" val="mid"/>
+    </dgm:alg>
+    <dgm:shape xmlns:r="http://schemas.openxmlformats.org/officeDocument/2006/relationships" r:blip="">
+      <dgm:adjLst/>
+    </dgm:shape>
+    <dgm:presOf/>
+    <dgm:constrLst>
+      <dgm:constr type="w" for="ch" forName="arrow" refType="w" fact="0.85"/>
+      <dgm:constr type="h" for="ch" forName="arrow" refType="h"/>
+      <dgm:constr type="ctrX" for="ch" forName="arrow" refType="w" fact="0.5"/>
+      <dgm:constr type="ctrY" for="ch" forName="arrow" refType="h" fact="0.5"/>
+      <dgm:constr type="w" for="ch" forName="linearProcess" refType="w"/>
+      <dgm:constr type="h" for="ch" forName="linearProcess" refType="h" fact="0.4"/>
+      <dgm:constr type="ctrX" for="ch" forName="linearProcess" refType="w" fact="0.5"/>
+      <dgm:constr type="ctrY" for="ch" forName="linearProcess" refType="h" fact="0.5"/>
+    </dgm:constrLst>
+    <dgm:ruleLst/>
+    <dgm:layoutNode name="arrow" styleLbl="bgShp">
+      <dgm:alg type="sp"/>
+      <dgm:choose name="Name0">
+        <dgm:if name="Name1" func="var" arg="dir" op="equ" val="norm">
+          <dgm:shape xmlns:r="http://schemas.openxmlformats.org/officeDocument/2006/relationships" type="rightArrow" r:blip="">
+            <dgm:adjLst/>
+          </dgm:shape>
+        </dgm:if>
+        <dgm:else name="Name2">
+          <dgm:shape xmlns:r="http://schemas.openxmlformats.org/officeDocument/2006/relationships" type="leftArrow" r:blip="">
+            <dgm:adjLst/>
+          </dgm:shape>
+        </dgm:else>
+      </dgm:choose>
+      <dgm:presOf/>
+      <dgm:constrLst/>
+      <dgm:ruleLst/>
+    </dgm:layoutNode>
+    <dgm:layoutNode name="linearProcess">
+      <dgm:choose name="Name3">
+        <dgm:if name="Name4" func="var" arg="dir" op="equ" val="norm">
+          <dgm:alg type="lin"/>
+        </dgm:if>
+        <dgm:else name="Name5">
+          <dgm:alg type="lin">
+            <dgm:param type="linDir" val="fromR"/>
+          </dgm:alg>
+        </dgm:else>
+      </dgm:choose>
+      <dgm:shape xmlns:r="http://schemas.openxmlformats.org/officeDocument/2006/relationships" r:blip="">
+        <dgm:adjLst/>
+      </dgm:shape>
+      <dgm:presOf/>
+      <dgm:constrLst>
+        <dgm:constr type="userA" for="ch" ptType="node" refType="w"/>
+        <dgm:constr type="h" for="ch" ptType="node" refType="h"/>
+        <dgm:constr type="w" for="ch" ptType="node" op="equ"/>
+        <dgm:constr type="w" for="ch" forName="sibTrans" refType="w" fact="0.05"/>
+        <dgm:constr type="primFontSz" for="ch" ptType="node" op="equ" val="65"/>
+      </dgm:constrLst>
+      <dgm:ruleLst/>
+      <dgm:forEach name="Name6" axis="ch" ptType="node">
+        <dgm:layoutNode name="textNode" styleLbl="node1">
+          <dgm:varLst>
+            <dgm:bulletEnabled val="1"/>
+          </dgm:varLst>
+          <dgm:alg type="tx"/>
+          <dgm:shape xmlns:r="http://schemas.openxmlformats.org/officeDocument/2006/relationships" type="roundRect" r:blip="">
+            <dgm:adjLst/>
+          </dgm:shape>
+          <dgm:presOf axis="desOrSelf" ptType="node"/>
+          <dgm:constrLst>
+            <dgm:constr type="userA"/>
+            <dgm:constr type="w" refType="userA" fact="0.3"/>
+            <dgm:constr type="tMarg" refType="primFontSz" fact="0.3"/>
+            <dgm:constr type="bMarg" refType="primFontSz" fact="0.3"/>
+            <dgm:constr type="lMarg" refType="primFontSz" fact="0.3"/>
+            <dgm:constr type="rMarg" refType="primFontSz" fact="0.3"/>
+          </dgm:constrLst>
+          <dgm:ruleLst>
+            <dgm:rule type="w" val="NaN" fact="1" max="NaN"/>
+            <dgm:rule type="primFontSz" val="5" fact="NaN" max="NaN"/>
+          </dgm:ruleLst>
+        </dgm:layoutNode>
+        <dgm:forEach name="Name7" axis="followSib" ptType="sibTrans" cnt="1">
+          <dgm:layoutNode name="sibTrans">
+            <dgm:alg type="sp"/>
+            <dgm:shape xmlns:r="http://schemas.openxmlformats.org/officeDocument/2006/relationships" r:blip="">
+              <dgm:adjLst/>
+            </dgm:shape>
+            <dgm:presOf/>
+            <dgm:constrLst/>
+            <dgm:ruleLst/>
+          </dgm:layoutNode>
+        </dgm:forEach>
+      </dgm:forEach>
+    </dgm:layoutNode>
+  </dgm:layoutNode>
+</dgm:layoutDef>
+</file>
+
+<file path=ppt/diagrams/layout2.xml><?xml version="1.0" encoding="utf-8"?>
 <dgm:layoutDef xmlns:dgm="http://schemas.openxmlformats.org/drawingml/2006/diagram" xmlns:a="http://schemas.openxmlformats.org/drawingml/2006/main" uniqueId="urn:microsoft.com/office/officeart/2005/8/layout/process3">
   <dgm:title val=""/>
   <dgm:desc val=""/>
@@ -4882,6 +6834,1040 @@
 </dgm:styleDef>
 </file>
 
+<file path=ppt/diagrams/quickStyle2.xml><?xml version="1.0" encoding="utf-8"?>
+<dgm:styleDef xmlns:dgm="http://schemas.openxmlformats.org/drawingml/2006/diagram" xmlns:a="http://schemas.openxmlformats.org/drawingml/2006/main" uniqueId="urn:microsoft.com/office/officeart/2005/8/quickstyle/simple1">
+  <dgm:title val=""/>
+  <dgm:desc val=""/>
+  <dgm:catLst>
+    <dgm:cat type="simple" pri="10100"/>
+  </dgm:catLst>
+  <dgm:scene3d>
+    <a:camera prst="orthographicFront"/>
+    <a:lightRig rig="threePt" dir="t"/>
+  </dgm:scene3d>
+  <dgm:styleLbl name="node0">
+    <dgm:scene3d>
+      <a:camera prst="orthographicFront"/>
+      <a:lightRig rig="threePt" dir="t"/>
+    </dgm:scene3d>
+    <dgm:sp3d/>
+    <dgm:txPr/>
+    <dgm:style>
+      <a:lnRef idx="2">
+        <a:scrgbClr r="0" g="0" b="0"/>
+      </a:lnRef>
+      <a:fillRef idx="1">
+        <a:scrgbClr r="0" g="0" b="0"/>
+      </a:fillRef>
+      <a:effectRef idx="0">
+        <a:scrgbClr r="0" g="0" b="0"/>
+      </a:effectRef>
+      <a:fontRef idx="minor">
+        <a:schemeClr val="lt1"/>
+      </a:fontRef>
+    </dgm:style>
+  </dgm:styleLbl>
+  <dgm:styleLbl name="lnNode1">
+    <dgm:scene3d>
+      <a:camera prst="orthographicFront"/>
+      <a:lightRig rig="threePt" dir="t"/>
+    </dgm:scene3d>
+    <dgm:sp3d/>
+    <dgm:txPr/>
+    <dgm:style>
+      <a:lnRef idx="2">
+        <a:scrgbClr r="0" g="0" b="0"/>
+      </a:lnRef>
+      <a:fillRef idx="1">
+        <a:scrgbClr r="0" g="0" b="0"/>
+      </a:fillRef>
+      <a:effectRef idx="0">
+        <a:scrgbClr r="0" g="0" b="0"/>
+      </a:effectRef>
+      <a:fontRef idx="minor">
+        <a:schemeClr val="lt1"/>
+      </a:fontRef>
+    </dgm:style>
+  </dgm:styleLbl>
+  <dgm:styleLbl name="vennNode1">
+    <dgm:scene3d>
+      <a:camera prst="orthographicFront"/>
+      <a:lightRig rig="threePt" dir="t"/>
+    </dgm:scene3d>
+    <dgm:sp3d/>
+    <dgm:txPr/>
+    <dgm:style>
+      <a:lnRef idx="2">
+        <a:scrgbClr r="0" g="0" b="0"/>
+      </a:lnRef>
+      <a:fillRef idx="1">
+        <a:scrgbClr r="0" g="0" b="0"/>
+      </a:fillRef>
+      <a:effectRef idx="0">
+        <a:scrgbClr r="0" g="0" b="0"/>
+      </a:effectRef>
+      <a:fontRef idx="minor">
+        <a:schemeClr val="tx1"/>
+      </a:fontRef>
+    </dgm:style>
+  </dgm:styleLbl>
+  <dgm:styleLbl name="alignNode1">
+    <dgm:scene3d>
+      <a:camera prst="orthographicFront"/>
+      <a:lightRig rig="threePt" dir="t"/>
+    </dgm:scene3d>
+    <dgm:sp3d/>
+    <dgm:txPr/>
+    <dgm:style>
+      <a:lnRef idx="2">
+        <a:scrgbClr r="0" g="0" b="0"/>
+      </a:lnRef>
+      <a:fillRef idx="1">
+        <a:scrgbClr r="0" g="0" b="0"/>
+      </a:fillRef>
+      <a:effectRef idx="0">
+        <a:scrgbClr r="0" g="0" b="0"/>
+      </a:effectRef>
+      <a:fontRef idx="minor">
+        <a:schemeClr val="lt1"/>
+      </a:fontRef>
+    </dgm:style>
+  </dgm:styleLbl>
+  <dgm:styleLbl name="node1">
+    <dgm:scene3d>
+      <a:camera prst="orthographicFront"/>
+      <a:lightRig rig="threePt" dir="t"/>
+    </dgm:scene3d>
+    <dgm:sp3d/>
+    <dgm:txPr/>
+    <dgm:style>
+      <a:lnRef idx="2">
+        <a:scrgbClr r="0" g="0" b="0"/>
+      </a:lnRef>
+      <a:fillRef idx="1">
+        <a:scrgbClr r="0" g="0" b="0"/>
+      </a:fillRef>
+      <a:effectRef idx="0">
+        <a:scrgbClr r="0" g="0" b="0"/>
+      </a:effectRef>
+      <a:fontRef idx="minor">
+        <a:schemeClr val="lt1"/>
+      </a:fontRef>
+    </dgm:style>
+  </dgm:styleLbl>
+  <dgm:styleLbl name="node2">
+    <dgm:scene3d>
+      <a:camera prst="orthographicFront"/>
+      <a:lightRig rig="threePt" dir="t"/>
+    </dgm:scene3d>
+    <dgm:sp3d/>
+    <dgm:txPr/>
+    <dgm:style>
+      <a:lnRef idx="2">
+        <a:scrgbClr r="0" g="0" b="0"/>
+      </a:lnRef>
+      <a:fillRef idx="1">
+        <a:scrgbClr r="0" g="0" b="0"/>
+      </a:fillRef>
+      <a:effectRef idx="0">
+        <a:scrgbClr r="0" g="0" b="0"/>
+      </a:effectRef>
+      <a:fontRef idx="minor">
+        <a:schemeClr val="lt1"/>
+      </a:fontRef>
+    </dgm:style>
+  </dgm:styleLbl>
+  <dgm:styleLbl name="node3">
+    <dgm:scene3d>
+      <a:camera prst="orthographicFront"/>
+      <a:lightRig rig="threePt" dir="t"/>
+    </dgm:scene3d>
+    <dgm:sp3d/>
+    <dgm:txPr/>
+    <dgm:style>
+      <a:lnRef idx="2">
+        <a:scrgbClr r="0" g="0" b="0"/>
+      </a:lnRef>
+      <a:fillRef idx="1">
+        <a:scrgbClr r="0" g="0" b="0"/>
+      </a:fillRef>
+      <a:effectRef idx="0">
+        <a:scrgbClr r="0" g="0" b="0"/>
+      </a:effectRef>
+      <a:fontRef idx="minor">
+        <a:schemeClr val="lt1"/>
+      </a:fontRef>
+    </dgm:style>
+  </dgm:styleLbl>
+  <dgm:styleLbl name="node4">
+    <dgm:scene3d>
+      <a:camera prst="orthographicFront"/>
+      <a:lightRig rig="threePt" dir="t"/>
+    </dgm:scene3d>
+    <dgm:sp3d/>
+    <dgm:txPr/>
+    <dgm:style>
+      <a:lnRef idx="2">
+        <a:scrgbClr r="0" g="0" b="0"/>
+      </a:lnRef>
+      <a:fillRef idx="1">
+        <a:scrgbClr r="0" g="0" b="0"/>
+      </a:fillRef>
+      <a:effectRef idx="0">
+        <a:scrgbClr r="0" g="0" b="0"/>
+      </a:effectRef>
+      <a:fontRef idx="minor">
+        <a:schemeClr val="lt1"/>
+      </a:fontRef>
+    </dgm:style>
+  </dgm:styleLbl>
+  <dgm:styleLbl name="fgImgPlace1">
+    <dgm:scene3d>
+      <a:camera prst="orthographicFront"/>
+      <a:lightRig rig="threePt" dir="t"/>
+    </dgm:scene3d>
+    <dgm:sp3d/>
+    <dgm:txPr/>
+    <dgm:style>
+      <a:lnRef idx="2">
+        <a:scrgbClr r="0" g="0" b="0"/>
+      </a:lnRef>
+      <a:fillRef idx="1">
+        <a:scrgbClr r="0" g="0" b="0"/>
+      </a:fillRef>
+      <a:effectRef idx="0">
+        <a:scrgbClr r="0" g="0" b="0"/>
+      </a:effectRef>
+      <a:fontRef idx="minor"/>
+    </dgm:style>
+  </dgm:styleLbl>
+  <dgm:styleLbl name="alignImgPlace1">
+    <dgm:scene3d>
+      <a:camera prst="orthographicFront"/>
+      <a:lightRig rig="threePt" dir="t"/>
+    </dgm:scene3d>
+    <dgm:sp3d/>
+    <dgm:txPr/>
+    <dgm:style>
+      <a:lnRef idx="2">
+        <a:scrgbClr r="0" g="0" b="0"/>
+      </a:lnRef>
+      <a:fillRef idx="1">
+        <a:scrgbClr r="0" g="0" b="0"/>
+      </a:fillRef>
+      <a:effectRef idx="0">
+        <a:scrgbClr r="0" g="0" b="0"/>
+      </a:effectRef>
+      <a:fontRef idx="minor"/>
+    </dgm:style>
+  </dgm:styleLbl>
+  <dgm:styleLbl name="bgImgPlace1">
+    <dgm:scene3d>
+      <a:camera prst="orthographicFront"/>
+      <a:lightRig rig="threePt" dir="t"/>
+    </dgm:scene3d>
+    <dgm:sp3d/>
+    <dgm:txPr/>
+    <dgm:style>
+      <a:lnRef idx="2">
+        <a:scrgbClr r="0" g="0" b="0"/>
+      </a:lnRef>
+      <a:fillRef idx="1">
+        <a:scrgbClr r="0" g="0" b="0"/>
+      </a:fillRef>
+      <a:effectRef idx="0">
+        <a:scrgbClr r="0" g="0" b="0"/>
+      </a:effectRef>
+      <a:fontRef idx="minor"/>
+    </dgm:style>
+  </dgm:styleLbl>
+  <dgm:styleLbl name="sibTrans2D1">
+    <dgm:scene3d>
+      <a:camera prst="orthographicFront"/>
+      <a:lightRig rig="threePt" dir="t"/>
+    </dgm:scene3d>
+    <dgm:sp3d/>
+    <dgm:txPr/>
+    <dgm:style>
+      <a:lnRef idx="0">
+        <a:scrgbClr r="0" g="0" b="0"/>
+      </a:lnRef>
+      <a:fillRef idx="1">
+        <a:scrgbClr r="0" g="0" b="0"/>
+      </a:fillRef>
+      <a:effectRef idx="0">
+        <a:scrgbClr r="0" g="0" b="0"/>
+      </a:effectRef>
+      <a:fontRef idx="minor">
+        <a:schemeClr val="lt1"/>
+      </a:fontRef>
+    </dgm:style>
+  </dgm:styleLbl>
+  <dgm:styleLbl name="fgSibTrans2D1">
+    <dgm:scene3d>
+      <a:camera prst="orthographicFront"/>
+      <a:lightRig rig="threePt" dir="t"/>
+    </dgm:scene3d>
+    <dgm:sp3d/>
+    <dgm:txPr/>
+    <dgm:style>
+      <a:lnRef idx="0">
+        <a:scrgbClr r="0" g="0" b="0"/>
+      </a:lnRef>
+      <a:fillRef idx="1">
+        <a:scrgbClr r="0" g="0" b="0"/>
+      </a:fillRef>
+      <a:effectRef idx="0">
+        <a:scrgbClr r="0" g="0" b="0"/>
+      </a:effectRef>
+      <a:fontRef idx="minor">
+        <a:schemeClr val="lt1"/>
+      </a:fontRef>
+    </dgm:style>
+  </dgm:styleLbl>
+  <dgm:styleLbl name="bgSibTrans2D1">
+    <dgm:scene3d>
+      <a:camera prst="orthographicFront"/>
+      <a:lightRig rig="threePt" dir="t"/>
+    </dgm:scene3d>
+    <dgm:sp3d/>
+    <dgm:txPr/>
+    <dgm:style>
+      <a:lnRef idx="0">
+        <a:scrgbClr r="0" g="0" b="0"/>
+      </a:lnRef>
+      <a:fillRef idx="1">
+        <a:scrgbClr r="0" g="0" b="0"/>
+      </a:fillRef>
+      <a:effectRef idx="0">
+        <a:scrgbClr r="0" g="0" b="0"/>
+      </a:effectRef>
+      <a:fontRef idx="minor">
+        <a:schemeClr val="lt1"/>
+      </a:fontRef>
+    </dgm:style>
+  </dgm:styleLbl>
+  <dgm:styleLbl name="sibTrans1D1">
+    <dgm:scene3d>
+      <a:camera prst="orthographicFront"/>
+      <a:lightRig rig="threePt" dir="t"/>
+    </dgm:scene3d>
+    <dgm:sp3d/>
+    <dgm:txPr/>
+    <dgm:style>
+      <a:lnRef idx="1">
+        <a:scrgbClr r="0" g="0" b="0"/>
+      </a:lnRef>
+      <a:fillRef idx="0">
+        <a:scrgbClr r="0" g="0" b="0"/>
+      </a:fillRef>
+      <a:effectRef idx="0">
+        <a:scrgbClr r="0" g="0" b="0"/>
+      </a:effectRef>
+      <a:fontRef idx="minor"/>
+    </dgm:style>
+  </dgm:styleLbl>
+  <dgm:styleLbl name="callout">
+    <dgm:scene3d>
+      <a:camera prst="orthographicFront"/>
+      <a:lightRig rig="threePt" dir="t"/>
+    </dgm:scene3d>
+    <dgm:sp3d/>
+    <dgm:txPr/>
+    <dgm:style>
+      <a:lnRef idx="2">
+        <a:scrgbClr r="0" g="0" b="0"/>
+      </a:lnRef>
+      <a:fillRef idx="1">
+        <a:scrgbClr r="0" g="0" b="0"/>
+      </a:fillRef>
+      <a:effectRef idx="0">
+        <a:scrgbClr r="0" g="0" b="0"/>
+      </a:effectRef>
+      <a:fontRef idx="minor"/>
+    </dgm:style>
+  </dgm:styleLbl>
+  <dgm:styleLbl name="asst0">
+    <dgm:scene3d>
+      <a:camera prst="orthographicFront"/>
+      <a:lightRig rig="threePt" dir="t"/>
+    </dgm:scene3d>
+    <dgm:sp3d/>
+    <dgm:txPr/>
+    <dgm:style>
+      <a:lnRef idx="2">
+        <a:scrgbClr r="0" g="0" b="0"/>
+      </a:lnRef>
+      <a:fillRef idx="1">
+        <a:scrgbClr r="0" g="0" b="0"/>
+      </a:fillRef>
+      <a:effectRef idx="0">
+        <a:scrgbClr r="0" g="0" b="0"/>
+      </a:effectRef>
+      <a:fontRef idx="minor">
+        <a:schemeClr val="lt1"/>
+      </a:fontRef>
+    </dgm:style>
+  </dgm:styleLbl>
+  <dgm:styleLbl name="asst1">
+    <dgm:scene3d>
+      <a:camera prst="orthographicFront"/>
+      <a:lightRig rig="threePt" dir="t"/>
+    </dgm:scene3d>
+    <dgm:sp3d/>
+    <dgm:txPr/>
+    <dgm:style>
+      <a:lnRef idx="2">
+        <a:scrgbClr r="0" g="0" b="0"/>
+      </a:lnRef>
+      <a:fillRef idx="1">
+        <a:scrgbClr r="0" g="0" b="0"/>
+      </a:fillRef>
+      <a:effectRef idx="0">
+        <a:scrgbClr r="0" g="0" b="0"/>
+      </a:effectRef>
+      <a:fontRef idx="minor">
+        <a:schemeClr val="lt1"/>
+      </a:fontRef>
+    </dgm:style>
+  </dgm:styleLbl>
+  <dgm:styleLbl name="asst2">
+    <dgm:scene3d>
+      <a:camera prst="orthographicFront"/>
+      <a:lightRig rig="threePt" dir="t"/>
+    </dgm:scene3d>
+    <dgm:sp3d/>
+    <dgm:txPr/>
+    <dgm:style>
+      <a:lnRef idx="2">
+        <a:scrgbClr r="0" g="0" b="0"/>
+      </a:lnRef>
+      <a:fillRef idx="1">
+        <a:scrgbClr r="0" g="0" b="0"/>
+      </a:fillRef>
+      <a:effectRef idx="0">
+        <a:scrgbClr r="0" g="0" b="0"/>
+      </a:effectRef>
+      <a:fontRef idx="minor">
+        <a:schemeClr val="lt1"/>
+      </a:fontRef>
+    </dgm:style>
+  </dgm:styleLbl>
+  <dgm:styleLbl name="asst3">
+    <dgm:scene3d>
+      <a:camera prst="orthographicFront"/>
+      <a:lightRig rig="threePt" dir="t"/>
+    </dgm:scene3d>
+    <dgm:sp3d/>
+    <dgm:txPr/>
+    <dgm:style>
+      <a:lnRef idx="2">
+        <a:scrgbClr r="0" g="0" b="0"/>
+      </a:lnRef>
+      <a:fillRef idx="1">
+        <a:scrgbClr r="0" g="0" b="0"/>
+      </a:fillRef>
+      <a:effectRef idx="0">
+        <a:scrgbClr r="0" g="0" b="0"/>
+      </a:effectRef>
+      <a:fontRef idx="minor">
+        <a:schemeClr val="lt1"/>
+      </a:fontRef>
+    </dgm:style>
+  </dgm:styleLbl>
+  <dgm:styleLbl name="asst4">
+    <dgm:scene3d>
+      <a:camera prst="orthographicFront"/>
+      <a:lightRig rig="threePt" dir="t"/>
+    </dgm:scene3d>
+    <dgm:sp3d/>
+    <dgm:txPr/>
+    <dgm:style>
+      <a:lnRef idx="2">
+        <a:scrgbClr r="0" g="0" b="0"/>
+      </a:lnRef>
+      <a:fillRef idx="1">
+        <a:scrgbClr r="0" g="0" b="0"/>
+      </a:fillRef>
+      <a:effectRef idx="0">
+        <a:scrgbClr r="0" g="0" b="0"/>
+      </a:effectRef>
+      <a:fontRef idx="minor">
+        <a:schemeClr val="lt1"/>
+      </a:fontRef>
+    </dgm:style>
+  </dgm:styleLbl>
+  <dgm:styleLbl name="parChTrans2D1">
+    <dgm:scene3d>
+      <a:camera prst="orthographicFront"/>
+      <a:lightRig rig="threePt" dir="t"/>
+    </dgm:scene3d>
+    <dgm:sp3d/>
+    <dgm:txPr/>
+    <dgm:style>
+      <a:lnRef idx="2">
+        <a:scrgbClr r="0" g="0" b="0"/>
+      </a:lnRef>
+      <a:fillRef idx="1">
+        <a:scrgbClr r="0" g="0" b="0"/>
+      </a:fillRef>
+      <a:effectRef idx="0">
+        <a:scrgbClr r="0" g="0" b="0"/>
+      </a:effectRef>
+      <a:fontRef idx="minor">
+        <a:schemeClr val="lt1"/>
+      </a:fontRef>
+    </dgm:style>
+  </dgm:styleLbl>
+  <dgm:styleLbl name="parChTrans2D2">
+    <dgm:scene3d>
+      <a:camera prst="orthographicFront"/>
+      <a:lightRig rig="threePt" dir="t"/>
+    </dgm:scene3d>
+    <dgm:sp3d/>
+    <dgm:txPr/>
+    <dgm:style>
+      <a:lnRef idx="2">
+        <a:scrgbClr r="0" g="0" b="0"/>
+      </a:lnRef>
+      <a:fillRef idx="1">
+        <a:scrgbClr r="0" g="0" b="0"/>
+      </a:fillRef>
+      <a:effectRef idx="0">
+        <a:scrgbClr r="0" g="0" b="0"/>
+      </a:effectRef>
+      <a:fontRef idx="minor">
+        <a:schemeClr val="lt1"/>
+      </a:fontRef>
+    </dgm:style>
+  </dgm:styleLbl>
+  <dgm:styleLbl name="parChTrans2D3">
+    <dgm:scene3d>
+      <a:camera prst="orthographicFront"/>
+      <a:lightRig rig="threePt" dir="t"/>
+    </dgm:scene3d>
+    <dgm:sp3d/>
+    <dgm:txPr/>
+    <dgm:style>
+      <a:lnRef idx="2">
+        <a:scrgbClr r="0" g="0" b="0"/>
+      </a:lnRef>
+      <a:fillRef idx="1">
+        <a:scrgbClr r="0" g="0" b="0"/>
+      </a:fillRef>
+      <a:effectRef idx="0">
+        <a:scrgbClr r="0" g="0" b="0"/>
+      </a:effectRef>
+      <a:fontRef idx="minor">
+        <a:schemeClr val="lt1"/>
+      </a:fontRef>
+    </dgm:style>
+  </dgm:styleLbl>
+  <dgm:styleLbl name="parChTrans2D4">
+    <dgm:scene3d>
+      <a:camera prst="orthographicFront"/>
+      <a:lightRig rig="threePt" dir="t"/>
+    </dgm:scene3d>
+    <dgm:sp3d/>
+    <dgm:txPr/>
+    <dgm:style>
+      <a:lnRef idx="2">
+        <a:scrgbClr r="0" g="0" b="0"/>
+      </a:lnRef>
+      <a:fillRef idx="1">
+        <a:scrgbClr r="0" g="0" b="0"/>
+      </a:fillRef>
+      <a:effectRef idx="0">
+        <a:scrgbClr r="0" g="0" b="0"/>
+      </a:effectRef>
+      <a:fontRef idx="minor">
+        <a:schemeClr val="lt1"/>
+      </a:fontRef>
+    </dgm:style>
+  </dgm:styleLbl>
+  <dgm:styleLbl name="parChTrans1D1">
+    <dgm:scene3d>
+      <a:camera prst="orthographicFront"/>
+      <a:lightRig rig="threePt" dir="t"/>
+    </dgm:scene3d>
+    <dgm:sp3d/>
+    <dgm:txPr/>
+    <dgm:style>
+      <a:lnRef idx="2">
+        <a:scrgbClr r="0" g="0" b="0"/>
+      </a:lnRef>
+      <a:fillRef idx="0">
+        <a:scrgbClr r="0" g="0" b="0"/>
+      </a:fillRef>
+      <a:effectRef idx="0">
+        <a:scrgbClr r="0" g="0" b="0"/>
+      </a:effectRef>
+      <a:fontRef idx="minor"/>
+    </dgm:style>
+  </dgm:styleLbl>
+  <dgm:styleLbl name="parChTrans1D2">
+    <dgm:scene3d>
+      <a:camera prst="orthographicFront"/>
+      <a:lightRig rig="threePt" dir="t"/>
+    </dgm:scene3d>
+    <dgm:sp3d/>
+    <dgm:txPr/>
+    <dgm:style>
+      <a:lnRef idx="2">
+        <a:scrgbClr r="0" g="0" b="0"/>
+      </a:lnRef>
+      <a:fillRef idx="0">
+        <a:scrgbClr r="0" g="0" b="0"/>
+      </a:fillRef>
+      <a:effectRef idx="0">
+        <a:scrgbClr r="0" g="0" b="0"/>
+      </a:effectRef>
+      <a:fontRef idx="minor"/>
+    </dgm:style>
+  </dgm:styleLbl>
+  <dgm:styleLbl name="parChTrans1D3">
+    <dgm:scene3d>
+      <a:camera prst="orthographicFront"/>
+      <a:lightRig rig="threePt" dir="t"/>
+    </dgm:scene3d>
+    <dgm:sp3d/>
+    <dgm:txPr/>
+    <dgm:style>
+      <a:lnRef idx="2">
+        <a:scrgbClr r="0" g="0" b="0"/>
+      </a:lnRef>
+      <a:fillRef idx="0">
+        <a:scrgbClr r="0" g="0" b="0"/>
+      </a:fillRef>
+      <a:effectRef idx="0">
+        <a:scrgbClr r="0" g="0" b="0"/>
+      </a:effectRef>
+      <a:fontRef idx="minor"/>
+    </dgm:style>
+  </dgm:styleLbl>
+  <dgm:styleLbl name="parChTrans1D4">
+    <dgm:scene3d>
+      <a:camera prst="orthographicFront"/>
+      <a:lightRig rig="threePt" dir="t"/>
+    </dgm:scene3d>
+    <dgm:sp3d/>
+    <dgm:txPr/>
+    <dgm:style>
+      <a:lnRef idx="2">
+        <a:scrgbClr r="0" g="0" b="0"/>
+      </a:lnRef>
+      <a:fillRef idx="0">
+        <a:scrgbClr r="0" g="0" b="0"/>
+      </a:fillRef>
+      <a:effectRef idx="0">
+        <a:scrgbClr r="0" g="0" b="0"/>
+      </a:effectRef>
+      <a:fontRef idx="minor"/>
+    </dgm:style>
+  </dgm:styleLbl>
+  <dgm:styleLbl name="fgAcc1">
+    <dgm:scene3d>
+      <a:camera prst="orthographicFront"/>
+      <a:lightRig rig="threePt" dir="t"/>
+    </dgm:scene3d>
+    <dgm:sp3d/>
+    <dgm:txPr/>
+    <dgm:style>
+      <a:lnRef idx="2">
+        <a:scrgbClr r="0" g="0" b="0"/>
+      </a:lnRef>
+      <a:fillRef idx="1">
+        <a:scrgbClr r="0" g="0" b="0"/>
+      </a:fillRef>
+      <a:effectRef idx="0">
+        <a:scrgbClr r="0" g="0" b="0"/>
+      </a:effectRef>
+      <a:fontRef idx="minor"/>
+    </dgm:style>
+  </dgm:styleLbl>
+  <dgm:styleLbl name="conFgAcc1">
+    <dgm:scene3d>
+      <a:camera prst="orthographicFront"/>
+      <a:lightRig rig="threePt" dir="t"/>
+    </dgm:scene3d>
+    <dgm:sp3d/>
+    <dgm:txPr/>
+    <dgm:style>
+      <a:lnRef idx="2">
+        <a:scrgbClr r="0" g="0" b="0"/>
+      </a:lnRef>
+      <a:fillRef idx="1">
+        <a:scrgbClr r="0" g="0" b="0"/>
+      </a:fillRef>
+      <a:effectRef idx="0">
+        <a:scrgbClr r="0" g="0" b="0"/>
+      </a:effectRef>
+      <a:fontRef idx="minor"/>
+    </dgm:style>
+  </dgm:styleLbl>
+  <dgm:styleLbl name="alignAcc1">
+    <dgm:scene3d>
+      <a:camera prst="orthographicFront"/>
+      <a:lightRig rig="threePt" dir="t"/>
+    </dgm:scene3d>
+    <dgm:sp3d/>
+    <dgm:txPr/>
+    <dgm:style>
+      <a:lnRef idx="2">
+        <a:scrgbClr r="0" g="0" b="0"/>
+      </a:lnRef>
+      <a:fillRef idx="1">
+        <a:scrgbClr r="0" g="0" b="0"/>
+      </a:fillRef>
+      <a:effectRef idx="0">
+        <a:scrgbClr r="0" g="0" b="0"/>
+      </a:effectRef>
+      <a:fontRef idx="minor"/>
+    </dgm:style>
+  </dgm:styleLbl>
+  <dgm:styleLbl name="trAlignAcc1">
+    <dgm:scene3d>
+      <a:camera prst="orthographicFront"/>
+      <a:lightRig rig="threePt" dir="t"/>
+    </dgm:scene3d>
+    <dgm:sp3d/>
+    <dgm:txPr/>
+    <dgm:style>
+      <a:lnRef idx="1">
+        <a:scrgbClr r="0" g="0" b="0"/>
+      </a:lnRef>
+      <a:fillRef idx="1">
+        <a:scrgbClr r="0" g="0" b="0"/>
+      </a:fillRef>
+      <a:effectRef idx="0">
+        <a:scrgbClr r="0" g="0" b="0"/>
+      </a:effectRef>
+      <a:fontRef idx="minor"/>
+    </dgm:style>
+  </dgm:styleLbl>
+  <dgm:styleLbl name="bgAcc1">
+    <dgm:scene3d>
+      <a:camera prst="orthographicFront"/>
+      <a:lightRig rig="threePt" dir="t"/>
+    </dgm:scene3d>
+    <dgm:sp3d/>
+    <dgm:txPr/>
+    <dgm:style>
+      <a:lnRef idx="2">
+        <a:scrgbClr r="0" g="0" b="0"/>
+      </a:lnRef>
+      <a:fillRef idx="1">
+        <a:scrgbClr r="0" g="0" b="0"/>
+      </a:fillRef>
+      <a:effectRef idx="0">
+        <a:scrgbClr r="0" g="0" b="0"/>
+      </a:effectRef>
+      <a:fontRef idx="minor"/>
+    </dgm:style>
+  </dgm:styleLbl>
+  <dgm:styleLbl name="solidFgAcc1">
+    <dgm:scene3d>
+      <a:camera prst="orthographicFront"/>
+      <a:lightRig rig="threePt" dir="t"/>
+    </dgm:scene3d>
+    <dgm:sp3d/>
+    <dgm:txPr/>
+    <dgm:style>
+      <a:lnRef idx="2">
+        <a:scrgbClr r="0" g="0" b="0"/>
+      </a:lnRef>
+      <a:fillRef idx="1">
+        <a:scrgbClr r="0" g="0" b="0"/>
+      </a:fillRef>
+      <a:effectRef idx="0">
+        <a:scrgbClr r="0" g="0" b="0"/>
+      </a:effectRef>
+      <a:fontRef idx="minor"/>
+    </dgm:style>
+  </dgm:styleLbl>
+  <dgm:styleLbl name="solidAlignAcc1">
+    <dgm:scene3d>
+      <a:camera prst="orthographicFront"/>
+      <a:lightRig rig="threePt" dir="t"/>
+    </dgm:scene3d>
+    <dgm:sp3d/>
+    <dgm:txPr/>
+    <dgm:style>
+      <a:lnRef idx="2">
+        <a:scrgbClr r="0" g="0" b="0"/>
+      </a:lnRef>
+      <a:fillRef idx="1">
+        <a:scrgbClr r="0" g="0" b="0"/>
+      </a:fillRef>
+      <a:effectRef idx="0">
+        <a:scrgbClr r="0" g="0" b="0"/>
+      </a:effectRef>
+      <a:fontRef idx="minor"/>
+    </dgm:style>
+  </dgm:styleLbl>
+  <dgm:styleLbl name="solidBgAcc1">
+    <dgm:scene3d>
+      <a:camera prst="orthographicFront"/>
+      <a:lightRig rig="threePt" dir="t"/>
+    </dgm:scene3d>
+    <dgm:sp3d/>
+    <dgm:txPr/>
+    <dgm:style>
+      <a:lnRef idx="2">
+        <a:scrgbClr r="0" g="0" b="0"/>
+      </a:lnRef>
+      <a:fillRef idx="1">
+        <a:scrgbClr r="0" g="0" b="0"/>
+      </a:fillRef>
+      <a:effectRef idx="0">
+        <a:scrgbClr r="0" g="0" b="0"/>
+      </a:effectRef>
+      <a:fontRef idx="minor"/>
+    </dgm:style>
+  </dgm:styleLbl>
+  <dgm:styleLbl name="fgAccFollowNode1">
+    <dgm:scene3d>
+      <a:camera prst="orthographicFront"/>
+      <a:lightRig rig="threePt" dir="t"/>
+    </dgm:scene3d>
+    <dgm:sp3d/>
+    <dgm:txPr/>
+    <dgm:style>
+      <a:lnRef idx="2">
+        <a:scrgbClr r="0" g="0" b="0"/>
+      </a:lnRef>
+      <a:fillRef idx="1">
+        <a:scrgbClr r="0" g="0" b="0"/>
+      </a:fillRef>
+      <a:effectRef idx="0">
+        <a:scrgbClr r="0" g="0" b="0"/>
+      </a:effectRef>
+      <a:fontRef idx="minor"/>
+    </dgm:style>
+  </dgm:styleLbl>
+  <dgm:styleLbl name="alignAccFollowNode1">
+    <dgm:scene3d>
+      <a:camera prst="orthographicFront"/>
+      <a:lightRig rig="threePt" dir="t"/>
+    </dgm:scene3d>
+    <dgm:sp3d/>
+    <dgm:txPr/>
+    <dgm:style>
+      <a:lnRef idx="2">
+        <a:scrgbClr r="0" g="0" b="0"/>
+      </a:lnRef>
+      <a:fillRef idx="1">
+        <a:scrgbClr r="0" g="0" b="0"/>
+      </a:fillRef>
+      <a:effectRef idx="0">
+        <a:scrgbClr r="0" g="0" b="0"/>
+      </a:effectRef>
+      <a:fontRef idx="minor"/>
+    </dgm:style>
+  </dgm:styleLbl>
+  <dgm:styleLbl name="bgAccFollowNode1">
+    <dgm:scene3d>
+      <a:camera prst="orthographicFront"/>
+      <a:lightRig rig="threePt" dir="t"/>
+    </dgm:scene3d>
+    <dgm:sp3d/>
+    <dgm:txPr/>
+    <dgm:style>
+      <a:lnRef idx="2">
+        <a:scrgbClr r="0" g="0" b="0"/>
+      </a:lnRef>
+      <a:fillRef idx="1">
+        <a:scrgbClr r="0" g="0" b="0"/>
+      </a:fillRef>
+      <a:effectRef idx="0">
+        <a:scrgbClr r="0" g="0" b="0"/>
+      </a:effectRef>
+      <a:fontRef idx="minor"/>
+    </dgm:style>
+  </dgm:styleLbl>
+  <dgm:styleLbl name="fgAcc0">
+    <dgm:scene3d>
+      <a:camera prst="orthographicFront"/>
+      <a:lightRig rig="threePt" dir="t"/>
+    </dgm:scene3d>
+    <dgm:sp3d/>
+    <dgm:txPr/>
+    <dgm:style>
+      <a:lnRef idx="2">
+        <a:scrgbClr r="0" g="0" b="0"/>
+      </a:lnRef>
+      <a:fillRef idx="1">
+        <a:scrgbClr r="0" g="0" b="0"/>
+      </a:fillRef>
+      <a:effectRef idx="0">
+        <a:scrgbClr r="0" g="0" b="0"/>
+      </a:effectRef>
+      <a:fontRef idx="minor"/>
+    </dgm:style>
+  </dgm:styleLbl>
+  <dgm:styleLbl name="fgAcc2">
+    <dgm:scene3d>
+      <a:camera prst="orthographicFront"/>
+      <a:lightRig rig="threePt" dir="t"/>
+    </dgm:scene3d>
+    <dgm:sp3d/>
+    <dgm:txPr/>
+    <dgm:style>
+      <a:lnRef idx="2">
+        <a:scrgbClr r="0" g="0" b="0"/>
+      </a:lnRef>
+      <a:fillRef idx="1">
+        <a:scrgbClr r="0" g="0" b="0"/>
+      </a:fillRef>
+      <a:effectRef idx="0">
+        <a:scrgbClr r="0" g="0" b="0"/>
+      </a:effectRef>
+      <a:fontRef idx="minor"/>
+    </dgm:style>
+  </dgm:styleLbl>
+  <dgm:styleLbl name="fgAcc3">
+    <dgm:scene3d>
+      <a:camera prst="orthographicFront"/>
+      <a:lightRig rig="threePt" dir="t"/>
+    </dgm:scene3d>
+    <dgm:sp3d/>
+    <dgm:txPr/>
+    <dgm:style>
+      <a:lnRef idx="2">
+        <a:scrgbClr r="0" g="0" b="0"/>
+      </a:lnRef>
+      <a:fillRef idx="1">
+        <a:scrgbClr r="0" g="0" b="0"/>
+      </a:fillRef>
+      <a:effectRef idx="0">
+        <a:scrgbClr r="0" g="0" b="0"/>
+      </a:effectRef>
+      <a:fontRef idx="minor"/>
+    </dgm:style>
+  </dgm:styleLbl>
+  <dgm:styleLbl name="fgAcc4">
+    <dgm:scene3d>
+      <a:camera prst="orthographicFront"/>
+      <a:lightRig rig="threePt" dir="t"/>
+    </dgm:scene3d>
+    <dgm:sp3d/>
+    <dgm:txPr/>
+    <dgm:style>
+      <a:lnRef idx="2">
+        <a:scrgbClr r="0" g="0" b="0"/>
+      </a:lnRef>
+      <a:fillRef idx="1">
+        <a:scrgbClr r="0" g="0" b="0"/>
+      </a:fillRef>
+      <a:effectRef idx="0">
+        <a:scrgbClr r="0" g="0" b="0"/>
+      </a:effectRef>
+      <a:fontRef idx="minor"/>
+    </dgm:style>
+  </dgm:styleLbl>
+  <dgm:styleLbl name="bgShp">
+    <dgm:scene3d>
+      <a:camera prst="orthographicFront"/>
+      <a:lightRig rig="threePt" dir="t"/>
+    </dgm:scene3d>
+    <dgm:sp3d/>
+    <dgm:txPr/>
+    <dgm:style>
+      <a:lnRef idx="0">
+        <a:scrgbClr r="0" g="0" b="0"/>
+      </a:lnRef>
+      <a:fillRef idx="1">
+        <a:scrgbClr r="0" g="0" b="0"/>
+      </a:fillRef>
+      <a:effectRef idx="0">
+        <a:scrgbClr r="0" g="0" b="0"/>
+      </a:effectRef>
+      <a:fontRef idx="minor"/>
+    </dgm:style>
+  </dgm:styleLbl>
+  <dgm:styleLbl name="dkBgShp">
+    <dgm:scene3d>
+      <a:camera prst="orthographicFront"/>
+      <a:lightRig rig="threePt" dir="t"/>
+    </dgm:scene3d>
+    <dgm:sp3d/>
+    <dgm:txPr/>
+    <dgm:style>
+      <a:lnRef idx="0">
+        <a:scrgbClr r="0" g="0" b="0"/>
+      </a:lnRef>
+      <a:fillRef idx="1">
+        <a:scrgbClr r="0" g="0" b="0"/>
+      </a:fillRef>
+      <a:effectRef idx="0">
+        <a:scrgbClr r="0" g="0" b="0"/>
+      </a:effectRef>
+      <a:fontRef idx="minor"/>
+    </dgm:style>
+  </dgm:styleLbl>
+  <dgm:styleLbl name="trBgShp">
+    <dgm:scene3d>
+      <a:camera prst="orthographicFront"/>
+      <a:lightRig rig="threePt" dir="t"/>
+    </dgm:scene3d>
+    <dgm:sp3d/>
+    <dgm:txPr/>
+    <dgm:style>
+      <a:lnRef idx="0">
+        <a:scrgbClr r="0" g="0" b="0"/>
+      </a:lnRef>
+      <a:fillRef idx="1">
+        <a:scrgbClr r="0" g="0" b="0"/>
+      </a:fillRef>
+      <a:effectRef idx="0">
+        <a:scrgbClr r="0" g="0" b="0"/>
+      </a:effectRef>
+      <a:fontRef idx="minor"/>
+    </dgm:style>
+  </dgm:styleLbl>
+  <dgm:styleLbl name="fgShp">
+    <dgm:scene3d>
+      <a:camera prst="orthographicFront"/>
+      <a:lightRig rig="threePt" dir="t"/>
+    </dgm:scene3d>
+    <dgm:sp3d/>
+    <dgm:txPr/>
+    <dgm:style>
+      <a:lnRef idx="2">
+        <a:scrgbClr r="0" g="0" b="0"/>
+      </a:lnRef>
+      <a:fillRef idx="1">
+        <a:scrgbClr r="0" g="0" b="0"/>
+      </a:fillRef>
+      <a:effectRef idx="0">
+        <a:scrgbClr r="0" g="0" b="0"/>
+      </a:effectRef>
+      <a:fontRef idx="minor"/>
+    </dgm:style>
+  </dgm:styleLbl>
+  <dgm:styleLbl name="revTx">
+    <dgm:scene3d>
+      <a:camera prst="orthographicFront"/>
+      <a:lightRig rig="threePt" dir="t"/>
+    </dgm:scene3d>
+    <dgm:sp3d/>
+    <dgm:txPr/>
+    <dgm:style>
+      <a:lnRef idx="0">
+        <a:scrgbClr r="0" g="0" b="0"/>
+      </a:lnRef>
+      <a:fillRef idx="0">
+        <a:scrgbClr r="0" g="0" b="0"/>
+      </a:fillRef>
+      <a:effectRef idx="0">
+        <a:scrgbClr r="0" g="0" b="0"/>
+      </a:effectRef>
+      <a:fontRef idx="minor"/>
+    </dgm:style>
+  </dgm:styleLbl>
+</dgm:styleDef>
+</file>
+
 <file path=ppt/slideLayouts/slideLayout1.xml><?xml version="1.0" encoding="utf-8"?>
 <p:sldLayout xmlns:a="http://schemas.openxmlformats.org/drawingml/2006/main" xmlns:r="http://schemas.openxmlformats.org/officeDocument/2006/relationships" xmlns:p="http://schemas.openxmlformats.org/presentationml/2006/main" type="title" preserve="1">
   <p:cSld name="Diapositiva de título">
@@ -5029,7 +8015,7 @@
           <a:p>
             <a:fld id="{3358A622-C1BD-47BE-A665-62D7828D74DD}" type="datetimeFigureOut">
               <a:rPr lang="es-ES" smtClean="0"/>
-              <a:t>16/02/2018</a:t>
+              <a:t>17/02/2018</a:t>
             </a:fld>
             <a:endParaRPr lang="es-ES"/>
           </a:p>
@@ -5227,7 +8213,7 @@
           <a:p>
             <a:fld id="{3358A622-C1BD-47BE-A665-62D7828D74DD}" type="datetimeFigureOut">
               <a:rPr lang="es-ES" smtClean="0"/>
-              <a:t>16/02/2018</a:t>
+              <a:t>17/02/2018</a:t>
             </a:fld>
             <a:endParaRPr lang="es-ES"/>
           </a:p>
@@ -5435,7 +8421,7 @@
           <a:p>
             <a:fld id="{3358A622-C1BD-47BE-A665-62D7828D74DD}" type="datetimeFigureOut">
               <a:rPr lang="es-ES" smtClean="0"/>
-              <a:t>16/02/2018</a:t>
+              <a:t>17/02/2018</a:t>
             </a:fld>
             <a:endParaRPr lang="es-ES"/>
           </a:p>
@@ -5633,7 +8619,7 @@
           <a:p>
             <a:fld id="{3358A622-C1BD-47BE-A665-62D7828D74DD}" type="datetimeFigureOut">
               <a:rPr lang="es-ES" smtClean="0"/>
-              <a:t>16/02/2018</a:t>
+              <a:t>17/02/2018</a:t>
             </a:fld>
             <a:endParaRPr lang="es-ES"/>
           </a:p>
@@ -5908,7 +8894,7 @@
           <a:p>
             <a:fld id="{3358A622-C1BD-47BE-A665-62D7828D74DD}" type="datetimeFigureOut">
               <a:rPr lang="es-ES" smtClean="0"/>
-              <a:t>16/02/2018</a:t>
+              <a:t>17/02/2018</a:t>
             </a:fld>
             <a:endParaRPr lang="es-ES"/>
           </a:p>
@@ -6173,7 +9159,7 @@
           <a:p>
             <a:fld id="{3358A622-C1BD-47BE-A665-62D7828D74DD}" type="datetimeFigureOut">
               <a:rPr lang="es-ES" smtClean="0"/>
-              <a:t>16/02/2018</a:t>
+              <a:t>17/02/2018</a:t>
             </a:fld>
             <a:endParaRPr lang="es-ES"/>
           </a:p>
@@ -6585,7 +9571,7 @@
           <a:p>
             <a:fld id="{3358A622-C1BD-47BE-A665-62D7828D74DD}" type="datetimeFigureOut">
               <a:rPr lang="es-ES" smtClean="0"/>
-              <a:t>16/02/2018</a:t>
+              <a:t>17/02/2018</a:t>
             </a:fld>
             <a:endParaRPr lang="es-ES"/>
           </a:p>
@@ -6726,7 +9712,7 @@
           <a:p>
             <a:fld id="{3358A622-C1BD-47BE-A665-62D7828D74DD}" type="datetimeFigureOut">
               <a:rPr lang="es-ES" smtClean="0"/>
-              <a:t>16/02/2018</a:t>
+              <a:t>17/02/2018</a:t>
             </a:fld>
             <a:endParaRPr lang="es-ES"/>
           </a:p>
@@ -6839,7 +9825,7 @@
           <a:p>
             <a:fld id="{3358A622-C1BD-47BE-A665-62D7828D74DD}" type="datetimeFigureOut">
               <a:rPr lang="es-ES" smtClean="0"/>
-              <a:t>16/02/2018</a:t>
+              <a:t>17/02/2018</a:t>
             </a:fld>
             <a:endParaRPr lang="es-ES"/>
           </a:p>
@@ -7150,7 +10136,7 @@
           <a:p>
             <a:fld id="{3358A622-C1BD-47BE-A665-62D7828D74DD}" type="datetimeFigureOut">
               <a:rPr lang="es-ES" smtClean="0"/>
-              <a:t>16/02/2018</a:t>
+              <a:t>17/02/2018</a:t>
             </a:fld>
             <a:endParaRPr lang="es-ES"/>
           </a:p>
@@ -7438,7 +10424,7 @@
           <a:p>
             <a:fld id="{3358A622-C1BD-47BE-A665-62D7828D74DD}" type="datetimeFigureOut">
               <a:rPr lang="es-ES" smtClean="0"/>
-              <a:t>16/02/2018</a:t>
+              <a:t>17/02/2018</a:t>
             </a:fld>
             <a:endParaRPr lang="es-ES"/>
           </a:p>
@@ -7679,7 +10665,7 @@
           <a:p>
             <a:fld id="{3358A622-C1BD-47BE-A665-62D7828D74DD}" type="datetimeFigureOut">
               <a:rPr lang="es-ES" smtClean="0"/>
-              <a:t>16/02/2018</a:t>
+              <a:t>17/02/2018</a:t>
             </a:fld>
             <a:endParaRPr lang="es-ES"/>
           </a:p>
@@ -8080,7 +11066,7 @@
 </file>
 
 <file path=ppt/slides/slide1.xml><?xml version="1.0" encoding="utf-8"?>
-<p:sld xmlns:a="http://schemas.openxmlformats.org/drawingml/2006/main" xmlns:r="http://schemas.openxmlformats.org/officeDocument/2006/relationships" xmlns:p="http://schemas.openxmlformats.org/presentationml/2006/main">
+<p:sld xmlns:a="http://schemas.openxmlformats.org/drawingml/2006/main" xmlns:r="http://schemas.openxmlformats.org/officeDocument/2006/relationships" xmlns:p="http://schemas.openxmlformats.org/presentationml/2006/main" show="0">
   <p:cSld>
     <p:spTree>
       <p:nvGrpSpPr>
@@ -8794,6 +11780,164 @@
       </p:grpSpPr>
       <p:sp>
         <p:nvSpPr>
+          <p:cNvPr id="4" name="Título 1">
+            <a:extLst>
+              <a:ext uri="{FF2B5EF4-FFF2-40B4-BE49-F238E27FC236}">
+                <a16:creationId xmlns:a16="http://schemas.microsoft.com/office/drawing/2014/main" id="{928D846F-67AF-44BD-A715-14D1262DE54C}"/>
+              </a:ext>
+            </a:extLst>
+          </p:cNvPr>
+          <p:cNvSpPr txBox="1">
+            <a:spLocks/>
+          </p:cNvSpPr>
+          <p:nvPr/>
+        </p:nvSpPr>
+        <p:spPr>
+          <a:xfrm>
+            <a:off x="838200" y="365125"/>
+            <a:ext cx="10515600" cy="716423"/>
+          </a:xfrm>
+          <a:prstGeom prst="rect">
+            <a:avLst/>
+          </a:prstGeom>
+        </p:spPr>
+        <p:txBody>
+          <a:bodyPr vert="horz" lIns="91440" tIns="45720" rIns="91440" bIns="45720" rtlCol="0" anchor="ctr">
+            <a:normAutofit/>
+          </a:bodyPr>
+          <a:lstStyle>
+            <a:lvl1pPr algn="l" defTabSz="914400" rtl="0" eaLnBrk="1" latinLnBrk="0" hangingPunct="1">
+              <a:lnSpc>
+                <a:spcPct val="90000"/>
+              </a:lnSpc>
+              <a:spcBef>
+                <a:spcPct val="0"/>
+              </a:spcBef>
+              <a:buNone/>
+              <a:defRPr sz="4400" kern="1200">
+                <a:solidFill>
+                  <a:schemeClr val="tx1"/>
+                </a:solidFill>
+                <a:latin typeface="+mj-lt"/>
+                <a:ea typeface="+mj-ea"/>
+                <a:cs typeface="+mj-cs"/>
+              </a:defRPr>
+            </a:lvl1pPr>
+          </a:lstStyle>
+          <a:p>
+            <a:r>
+              <a:rPr lang="es-ES" sz="4000" dirty="0"/>
+              <a:t>Data Pipeline</a:t>
+            </a:r>
+          </a:p>
+        </p:txBody>
+      </p:sp>
+      <p:sp>
+        <p:nvSpPr>
+          <p:cNvPr id="5" name="Rectángulo 4">
+            <a:extLst>
+              <a:ext uri="{FF2B5EF4-FFF2-40B4-BE49-F238E27FC236}">
+                <a16:creationId xmlns:a16="http://schemas.microsoft.com/office/drawing/2014/main" id="{95E3BC21-61F2-47C9-8B3D-B388CD94B0BF}"/>
+              </a:ext>
+            </a:extLst>
+          </p:cNvPr>
+          <p:cNvSpPr/>
+          <p:nvPr/>
+        </p:nvSpPr>
+        <p:spPr>
+          <a:xfrm>
+            <a:off x="838200" y="1079887"/>
+            <a:ext cx="10616381" cy="72151"/>
+          </a:xfrm>
+          <a:prstGeom prst="rect">
+            <a:avLst/>
+          </a:prstGeom>
+        </p:spPr>
+        <p:style>
+          <a:lnRef idx="2">
+            <a:schemeClr val="accent4">
+              <a:shade val="50000"/>
+            </a:schemeClr>
+          </a:lnRef>
+          <a:fillRef idx="1">
+            <a:schemeClr val="accent4"/>
+          </a:fillRef>
+          <a:effectRef idx="0">
+            <a:schemeClr val="accent4"/>
+          </a:effectRef>
+          <a:fontRef idx="minor">
+            <a:schemeClr val="lt1"/>
+          </a:fontRef>
+        </p:style>
+        <p:txBody>
+          <a:bodyPr rtlCol="0" anchor="ctr"/>
+          <a:lstStyle/>
+          <a:p>
+            <a:pPr algn="ctr"/>
+            <a:endParaRPr lang="es-ES"/>
+          </a:p>
+        </p:txBody>
+      </p:sp>
+      <p:graphicFrame>
+        <p:nvGraphicFramePr>
+          <p:cNvPr id="6" name="Diagrama 5">
+            <a:extLst>
+              <a:ext uri="{FF2B5EF4-FFF2-40B4-BE49-F238E27FC236}">
+                <a16:creationId xmlns:a16="http://schemas.microsoft.com/office/drawing/2014/main" id="{89FE3D27-746F-45E0-9616-031692F2E940}"/>
+              </a:ext>
+            </a:extLst>
+          </p:cNvPr>
+          <p:cNvGraphicFramePr/>
+          <p:nvPr>
+            <p:extLst>
+              <p:ext uri="{D42A27DB-BD31-4B8C-83A1-F6EECF244321}">
+                <p14:modId xmlns:p14="http://schemas.microsoft.com/office/powerpoint/2010/main" val="1169227854"/>
+              </p:ext>
+            </p:extLst>
+          </p:nvPr>
+        </p:nvGraphicFramePr>
+        <p:xfrm>
+          <a:off x="511277" y="719666"/>
+          <a:ext cx="11307097" cy="5425495"/>
+        </p:xfrm>
+        <a:graphic>
+          <a:graphicData uri="http://schemas.openxmlformats.org/drawingml/2006/diagram">
+            <dgm:relIds xmlns:dgm="http://schemas.openxmlformats.org/drawingml/2006/diagram" xmlns:r="http://schemas.openxmlformats.org/officeDocument/2006/relationships" r:dm="rId2" r:lo="rId3" r:qs="rId4" r:cs="rId5"/>
+          </a:graphicData>
+        </a:graphic>
+      </p:graphicFrame>
+    </p:spTree>
+    <p:extLst>
+      <p:ext uri="{BB962C8B-B14F-4D97-AF65-F5344CB8AC3E}">
+        <p14:creationId xmlns:p14="http://schemas.microsoft.com/office/powerpoint/2010/main" val="2160159384"/>
+      </p:ext>
+    </p:extLst>
+  </p:cSld>
+  <p:clrMapOvr>
+    <a:masterClrMapping/>
+  </p:clrMapOvr>
+</p:sld>
+</file>
+
+<file path=ppt/slides/slide5.xml><?xml version="1.0" encoding="utf-8"?>
+<p:sld xmlns:a="http://schemas.openxmlformats.org/drawingml/2006/main" xmlns:r="http://schemas.openxmlformats.org/officeDocument/2006/relationships" xmlns:p="http://schemas.openxmlformats.org/presentationml/2006/main">
+  <p:cSld>
+    <p:spTree>
+      <p:nvGrpSpPr>
+        <p:cNvPr id="1" name=""/>
+        <p:cNvGrpSpPr/>
+        <p:nvPr/>
+      </p:nvGrpSpPr>
+      <p:grpSpPr>
+        <a:xfrm>
+          <a:off x="0" y="0"/>
+          <a:ext cx="0" cy="0"/>
+          <a:chOff x="0" y="0"/>
+          <a:chExt cx="0" cy="0"/>
+        </a:xfrm>
+      </p:grpSpPr>
+      <p:sp>
+        <p:nvSpPr>
           <p:cNvPr id="2" name="Título 1">
             <a:extLst>
               <a:ext uri="{FF2B5EF4-FFF2-40B4-BE49-F238E27FC236}">
@@ -8922,7 +12066,7 @@
 </p:sld>
 </file>
 
-<file path=ppt/slides/slide5.xml><?xml version="1.0" encoding="utf-8"?>
+<file path=ppt/slides/slide6.xml><?xml version="1.0" encoding="utf-8"?>
 <p:sld xmlns:a="http://schemas.openxmlformats.org/drawingml/2006/main" xmlns:r="http://schemas.openxmlformats.org/officeDocument/2006/relationships" xmlns:p="http://schemas.openxmlformats.org/presentationml/2006/main">
   <p:cSld>
     <p:spTree>
@@ -9264,7 +12408,7 @@
 </p:sld>
 </file>
 
-<file path=ppt/slides/slide6.xml><?xml version="1.0" encoding="utf-8"?>
+<file path=ppt/slides/slide7.xml><?xml version="1.0" encoding="utf-8"?>
 <p:sld xmlns:a="http://schemas.openxmlformats.org/drawingml/2006/main" xmlns:r="http://schemas.openxmlformats.org/officeDocument/2006/relationships" xmlns:p="http://schemas.openxmlformats.org/presentationml/2006/main">
   <p:cSld>
     <p:spTree>
@@ -13268,7 +16412,7 @@
 </p:sld>
 </file>
 
-<file path=ppt/slides/slide7.xml><?xml version="1.0" encoding="utf-8"?>
+<file path=ppt/slides/slide8.xml><?xml version="1.0" encoding="utf-8"?>
 <p:sld xmlns:a="http://schemas.openxmlformats.org/drawingml/2006/main" xmlns:r="http://schemas.openxmlformats.org/officeDocument/2006/relationships" xmlns:p="http://schemas.openxmlformats.org/presentationml/2006/main">
   <p:cSld>
     <p:spTree>
